--- a/CPIC.pptx
+++ b/CPIC.pptx
@@ -19,7 +19,7 @@
     <p:sldId id="861" r:id="rId7"/>
     <p:sldId id="860" r:id="rId8"/>
     <p:sldId id="862" r:id="rId9"/>
-    <p:sldId id="863" r:id="rId10"/>
+    <p:sldId id="865" r:id="rId10"/>
     <p:sldId id="864" r:id="rId11"/>
   </p:sldIdLst>
   <p:sldSz cx="9144000" cy="6858000" type="screen4x3"/>
@@ -206,6 +206,10 @@
 <p:cmAuthorLst xmlns:a="http://schemas.openxmlformats.org/drawingml/2006/main" xmlns:r="http://schemas.openxmlformats.org/officeDocument/2006/relationships" xmlns:p="http://schemas.openxmlformats.org/presentationml/2006/main">
   <p:cmAuthor id="0" name="Healy, Grace" initials="HG" lastIdx="2" clrIdx="0"/>
 </p:cmAuthorLst>
+</file>
+
+<file path=ppt/revisionInfo.xml><?xml version="1.0" encoding="utf-8"?>
+<p1510:revInfo xmlns:a="http://schemas.openxmlformats.org/drawingml/2006/main" xmlns:r="http://schemas.openxmlformats.org/officeDocument/2006/relationships" xmlns:p1510="http://schemas.microsoft.com/office/powerpoint/2015/10/main"/>
 </file>
 
 <file path=ppt/charts/chart1.xml><?xml version="1.0" encoding="utf-8"?>
@@ -453,25 +457,25 @@
                 <c:formatCode>0.00%</c:formatCode>
                 <c:ptCount val="7"/>
                 <c:pt idx="0">
-                  <c:v>5.04E-2</c:v>
+                  <c:v>0.100789</c:v>
                 </c:pt>
                 <c:pt idx="1">
-                  <c:v>7.0900000000000005E-2</c:v>
+                  <c:v>0.14183200000000001</c:v>
                 </c:pt>
                 <c:pt idx="2">
-                  <c:v>6.5699999999999995E-2</c:v>
+                  <c:v>0.13139700000000001</c:v>
                 </c:pt>
                 <c:pt idx="3">
-                  <c:v>7.6499999999999999E-2</c:v>
+                  <c:v>0.15299199999999999</c:v>
                 </c:pt>
                 <c:pt idx="4">
-                  <c:v>9.8500000000000004E-2</c:v>
+                  <c:v>0.19708700000000001</c:v>
                 </c:pt>
                 <c:pt idx="5">
-                  <c:v>9.11E-2</c:v>
+                  <c:v>0.182198</c:v>
                 </c:pt>
                 <c:pt idx="6">
-                  <c:v>0.12620000000000001</c:v>
+                  <c:v>0.25237199999999999</c:v>
                 </c:pt>
               </c:numCache>
             </c:numRef>
@@ -668,6 +672,420 @@
 </c:chartSpace>
 </file>
 
+<file path=ppt/charts/chart10.xml><?xml version="1.0" encoding="utf-8"?>
+<c:chartSpace xmlns:c="http://schemas.openxmlformats.org/drawingml/2006/chart" xmlns:a="http://schemas.openxmlformats.org/drawingml/2006/main" xmlns:r="http://schemas.openxmlformats.org/officeDocument/2006/relationships" xmlns:c16r2="http://schemas.microsoft.com/office/drawing/2015/06/chart">
+  <c:date1904 val="0"/>
+  <c:lang val="en-US"/>
+  <c:roundedCorners val="0"/>
+  <mc:AlternateContent xmlns:mc="http://schemas.openxmlformats.org/markup-compatibility/2006">
+    <mc:Choice xmlns:c14="http://schemas.microsoft.com/office/drawing/2007/8/2/chart" Requires="c14">
+      <c14:style val="102"/>
+    </mc:Choice>
+    <mc:Fallback>
+      <c:style val="2"/>
+    </mc:Fallback>
+  </mc:AlternateContent>
+  <c:chart>
+    <c:title>
+      <c:overlay val="0"/>
+      <c:spPr>
+        <a:noFill/>
+        <a:ln>
+          <a:noFill/>
+        </a:ln>
+        <a:effectLst/>
+      </c:spPr>
+      <c:txPr>
+        <a:bodyPr rot="0" spcFirstLastPara="1" vertOverflow="ellipsis" vert="horz" wrap="square" anchor="ctr" anchorCtr="1"/>
+        <a:lstStyle/>
+        <a:p>
+          <a:pPr>
+            <a:defRPr sz="1862" b="0" i="0" u="none" strike="noStrike" kern="1200" spc="0" baseline="0">
+              <a:solidFill>
+                <a:schemeClr val="tx1">
+                  <a:lumMod val="65000"/>
+                  <a:lumOff val="35000"/>
+                </a:schemeClr>
+              </a:solidFill>
+              <a:latin typeface="+mn-lt"/>
+              <a:ea typeface="+mn-ea"/>
+              <a:cs typeface="+mn-cs"/>
+            </a:defRPr>
+          </a:pPr>
+          <a:endParaRPr lang="en-US"/>
+        </a:p>
+      </c:txPr>
+    </c:title>
+    <c:autoTitleDeleted val="0"/>
+    <c:plotArea>
+      <c:layout/>
+      <c:pieChart>
+        <c:varyColors val="1"/>
+        <c:ser>
+          <c:idx val="0"/>
+          <c:order val="0"/>
+          <c:tx>
+            <c:strRef>
+              <c:f>Sheet1!$B$1</c:f>
+              <c:strCache>
+                <c:ptCount val="1"/>
+                <c:pt idx="0">
+                  <c:v>Concentration Constrained Long Only Optimal</c:v>
+                </c:pt>
+              </c:strCache>
+            </c:strRef>
+          </c:tx>
+          <c:dPt>
+            <c:idx val="0"/>
+            <c:bubble3D val="0"/>
+            <c:spPr>
+              <a:solidFill>
+                <a:schemeClr val="accent1"/>
+              </a:solidFill>
+              <a:ln w="19050">
+                <a:solidFill>
+                  <a:schemeClr val="lt1"/>
+                </a:solidFill>
+              </a:ln>
+              <a:effectLst/>
+            </c:spPr>
+            <c:extLst>
+              <c:ext xmlns:c16="http://schemas.microsoft.com/office/drawing/2014/chart" uri="{C3380CC4-5D6E-409C-BE32-E72D297353CC}">
+                <c16:uniqueId val="{00000001-2637-4906-8649-76F30CB5B9F9}"/>
+              </c:ext>
+            </c:extLst>
+          </c:dPt>
+          <c:dPt>
+            <c:idx val="1"/>
+            <c:bubble3D val="0"/>
+            <c:spPr>
+              <a:solidFill>
+                <a:schemeClr val="accent2"/>
+              </a:solidFill>
+              <a:ln w="19050">
+                <a:solidFill>
+                  <a:schemeClr val="lt1"/>
+                </a:solidFill>
+              </a:ln>
+              <a:effectLst/>
+            </c:spPr>
+            <c:extLst>
+              <c:ext xmlns:c16="http://schemas.microsoft.com/office/drawing/2014/chart" uri="{C3380CC4-5D6E-409C-BE32-E72D297353CC}">
+                <c16:uniqueId val="{00000002-3FF8-415C-849C-A4402B8A819A}"/>
+              </c:ext>
+            </c:extLst>
+          </c:dPt>
+          <c:dPt>
+            <c:idx val="2"/>
+            <c:bubble3D val="0"/>
+            <c:spPr>
+              <a:solidFill>
+                <a:schemeClr val="accent3"/>
+              </a:solidFill>
+              <a:ln w="19050">
+                <a:solidFill>
+                  <a:schemeClr val="lt1"/>
+                </a:solidFill>
+              </a:ln>
+              <a:effectLst/>
+            </c:spPr>
+            <c:extLst>
+              <c:ext xmlns:c16="http://schemas.microsoft.com/office/drawing/2014/chart" uri="{C3380CC4-5D6E-409C-BE32-E72D297353CC}">
+                <c16:uniqueId val="{00000005-2637-4906-8649-76F30CB5B9F9}"/>
+              </c:ext>
+            </c:extLst>
+          </c:dPt>
+          <c:dPt>
+            <c:idx val="3"/>
+            <c:bubble3D val="0"/>
+            <c:spPr>
+              <a:solidFill>
+                <a:schemeClr val="accent4"/>
+              </a:solidFill>
+              <a:ln w="19050">
+                <a:solidFill>
+                  <a:schemeClr val="lt1"/>
+                </a:solidFill>
+              </a:ln>
+              <a:effectLst/>
+            </c:spPr>
+            <c:extLst>
+              <c:ext xmlns:c16="http://schemas.microsoft.com/office/drawing/2014/chart" uri="{C3380CC4-5D6E-409C-BE32-E72D297353CC}">
+                <c16:uniqueId val="{00000007-2637-4906-8649-76F30CB5B9F9}"/>
+              </c:ext>
+            </c:extLst>
+          </c:dPt>
+          <c:dPt>
+            <c:idx val="4"/>
+            <c:bubble3D val="0"/>
+            <c:spPr>
+              <a:solidFill>
+                <a:schemeClr val="accent5"/>
+              </a:solidFill>
+              <a:ln w="19050">
+                <a:solidFill>
+                  <a:schemeClr val="lt1"/>
+                </a:solidFill>
+              </a:ln>
+              <a:effectLst/>
+            </c:spPr>
+            <c:extLst>
+              <c:ext xmlns:c16="http://schemas.microsoft.com/office/drawing/2014/chart" uri="{C3380CC4-5D6E-409C-BE32-E72D297353CC}">
+                <c16:uniqueId val="{00000009-2637-4906-8649-76F30CB5B9F9}"/>
+              </c:ext>
+            </c:extLst>
+          </c:dPt>
+          <c:dPt>
+            <c:idx val="5"/>
+            <c:bubble3D val="0"/>
+            <c:spPr>
+              <a:solidFill>
+                <a:schemeClr val="accent6"/>
+              </a:solidFill>
+              <a:ln w="19050">
+                <a:solidFill>
+                  <a:schemeClr val="lt1"/>
+                </a:solidFill>
+              </a:ln>
+              <a:effectLst/>
+            </c:spPr>
+            <c:extLst>
+              <c:ext xmlns:c16="http://schemas.microsoft.com/office/drawing/2014/chart" uri="{C3380CC4-5D6E-409C-BE32-E72D297353CC}">
+                <c16:uniqueId val="{0000000B-2637-4906-8649-76F30CB5B9F9}"/>
+              </c:ext>
+            </c:extLst>
+          </c:dPt>
+          <c:dPt>
+            <c:idx val="6"/>
+            <c:bubble3D val="0"/>
+            <c:spPr>
+              <a:solidFill>
+                <a:schemeClr val="accent1">
+                  <a:lumMod val="60000"/>
+                </a:schemeClr>
+              </a:solidFill>
+              <a:ln w="19050">
+                <a:solidFill>
+                  <a:schemeClr val="lt1"/>
+                </a:solidFill>
+              </a:ln>
+              <a:effectLst/>
+            </c:spPr>
+            <c:extLst>
+              <c:ext xmlns:c16="http://schemas.microsoft.com/office/drawing/2014/chart" uri="{C3380CC4-5D6E-409C-BE32-E72D297353CC}">
+                <c16:uniqueId val="{0000000D-2637-4906-8649-76F30CB5B9F9}"/>
+              </c:ext>
+            </c:extLst>
+          </c:dPt>
+          <c:dLbls>
+            <c:spPr>
+              <a:noFill/>
+              <a:ln>
+                <a:noFill/>
+              </a:ln>
+              <a:effectLst/>
+            </c:spPr>
+            <c:txPr>
+              <a:bodyPr rot="0" spcFirstLastPara="1" vertOverflow="ellipsis" vert="horz" wrap="square" lIns="38100" tIns="19050" rIns="38100" bIns="19050" anchor="ctr" anchorCtr="1">
+                <a:spAutoFit/>
+              </a:bodyPr>
+              <a:lstStyle/>
+              <a:p>
+                <a:pPr>
+                  <a:defRPr sz="1197" b="0" i="0" u="none" strike="noStrike" kern="1200" baseline="0">
+                    <a:solidFill>
+                      <a:schemeClr val="tx1">
+                        <a:lumMod val="75000"/>
+                        <a:lumOff val="25000"/>
+                      </a:schemeClr>
+                    </a:solidFill>
+                    <a:latin typeface="+mn-lt"/>
+                    <a:ea typeface="+mn-ea"/>
+                    <a:cs typeface="+mn-cs"/>
+                  </a:defRPr>
+                </a:pPr>
+                <a:endParaRPr lang="en-US"/>
+              </a:p>
+            </c:txPr>
+            <c:dLblPos val="bestFit"/>
+            <c:showLegendKey val="0"/>
+            <c:showVal val="1"/>
+            <c:showCatName val="0"/>
+            <c:showSerName val="0"/>
+            <c:showPercent val="0"/>
+            <c:showBubbleSize val="0"/>
+            <c:showLeaderLines val="1"/>
+            <c:leaderLines>
+              <c:spPr>
+                <a:ln w="9525" cap="flat" cmpd="sng" algn="ctr">
+                  <a:solidFill>
+                    <a:schemeClr val="tx1">
+                      <a:lumMod val="35000"/>
+                      <a:lumOff val="65000"/>
+                    </a:schemeClr>
+                  </a:solidFill>
+                  <a:round/>
+                </a:ln>
+                <a:effectLst/>
+              </c:spPr>
+            </c:leaderLines>
+            <c:extLst>
+              <c:ext xmlns:c15="http://schemas.microsoft.com/office/drawing/2012/chart" uri="{CE6537A1-D6FC-4f65-9D91-7224C49458BB}"/>
+            </c:extLst>
+          </c:dLbls>
+          <c:cat>
+            <c:strRef>
+              <c:f>Sheet1!$A$2:$A$8</c:f>
+              <c:strCache>
+                <c:ptCount val="7"/>
+                <c:pt idx="0">
+                  <c:v>US_RealEstate</c:v>
+                </c:pt>
+                <c:pt idx="1">
+                  <c:v>US_PrivateEquity</c:v>
+                </c:pt>
+                <c:pt idx="2">
+                  <c:v>US_HighYield</c:v>
+                </c:pt>
+                <c:pt idx="3">
+                  <c:v>US_LargeCap</c:v>
+                </c:pt>
+                <c:pt idx="4">
+                  <c:v>US_SmallCap</c:v>
+                </c:pt>
+                <c:pt idx="5">
+                  <c:v>EAFE</c:v>
+                </c:pt>
+                <c:pt idx="6">
+                  <c:v>EM</c:v>
+                </c:pt>
+              </c:strCache>
+            </c:strRef>
+          </c:cat>
+          <c:val>
+            <c:numRef>
+              <c:f>Sheet1!$B$2:$B$8</c:f>
+              <c:numCache>
+                <c:formatCode>0.00%</c:formatCode>
+                <c:ptCount val="7"/>
+                <c:pt idx="0">
+                  <c:v>0.25</c:v>
+                </c:pt>
+                <c:pt idx="1">
+                  <c:v>0.38263999999999998</c:v>
+                </c:pt>
+                <c:pt idx="2">
+                  <c:v>0</c:v>
+                </c:pt>
+                <c:pt idx="3">
+                  <c:v>0.1440978</c:v>
+                </c:pt>
+                <c:pt idx="4">
+                  <c:v>4.6277020000000002E-2</c:v>
+                </c:pt>
+                <c:pt idx="5">
+                  <c:v>0.111097</c:v>
+                </c:pt>
+                <c:pt idx="6">
+                  <c:v>6.5889000000000003E-2</c:v>
+                </c:pt>
+              </c:numCache>
+            </c:numRef>
+          </c:val>
+          <c:extLst>
+            <c:ext xmlns:c16="http://schemas.microsoft.com/office/drawing/2014/chart" uri="{C3380CC4-5D6E-409C-BE32-E72D297353CC}">
+              <c16:uniqueId val="{00000000-3FF8-415C-849C-A4402B8A819A}"/>
+            </c:ext>
+          </c:extLst>
+        </c:ser>
+        <c:dLbls>
+          <c:dLblPos val="bestFit"/>
+          <c:showLegendKey val="0"/>
+          <c:showVal val="1"/>
+          <c:showCatName val="0"/>
+          <c:showSerName val="0"/>
+          <c:showPercent val="0"/>
+          <c:showBubbleSize val="0"/>
+          <c:showLeaderLines val="1"/>
+        </c:dLbls>
+        <c:firstSliceAng val="0"/>
+      </c:pieChart>
+      <c:spPr>
+        <a:noFill/>
+        <a:ln>
+          <a:noFill/>
+        </a:ln>
+        <a:effectLst/>
+      </c:spPr>
+    </c:plotArea>
+    <c:legend>
+      <c:legendPos val="b"/>
+      <c:layout>
+        <c:manualLayout>
+          <c:xMode val="edge"/>
+          <c:yMode val="edge"/>
+          <c:x val="6.1183128677280707E-2"/>
+          <c:y val="0.81104387468307326"/>
+          <c:w val="0.87016449594543388"/>
+          <c:h val="0.18895612531692671"/>
+        </c:manualLayout>
+      </c:layout>
+      <c:overlay val="0"/>
+      <c:spPr>
+        <a:noFill/>
+        <a:ln>
+          <a:noFill/>
+        </a:ln>
+        <a:effectLst/>
+      </c:spPr>
+      <c:txPr>
+        <a:bodyPr rot="0" spcFirstLastPara="1" vertOverflow="ellipsis" vert="horz" wrap="square" anchor="ctr" anchorCtr="1"/>
+        <a:lstStyle/>
+        <a:p>
+          <a:pPr>
+            <a:defRPr sz="1197" b="0" i="0" u="none" strike="noStrike" kern="1200" baseline="0">
+              <a:solidFill>
+                <a:schemeClr val="tx1">
+                  <a:lumMod val="65000"/>
+                  <a:lumOff val="35000"/>
+                </a:schemeClr>
+              </a:solidFill>
+              <a:latin typeface="+mn-lt"/>
+              <a:ea typeface="+mn-ea"/>
+              <a:cs typeface="+mn-cs"/>
+            </a:defRPr>
+          </a:pPr>
+          <a:endParaRPr lang="en-US"/>
+        </a:p>
+      </c:txPr>
+    </c:legend>
+    <c:plotVisOnly val="1"/>
+    <c:dispBlanksAs val="gap"/>
+    <c:showDLblsOverMax val="0"/>
+  </c:chart>
+  <c:spPr>
+    <a:noFill/>
+    <a:ln>
+      <a:noFill/>
+    </a:ln>
+    <a:effectLst/>
+  </c:spPr>
+  <c:txPr>
+    <a:bodyPr/>
+    <a:lstStyle/>
+    <a:p>
+      <a:pPr>
+        <a:defRPr/>
+      </a:pPr>
+      <a:endParaRPr lang="en-US"/>
+    </a:p>
+  </c:txPr>
+  <c:externalData r:id="rId3">
+    <c:autoUpdate val="0"/>
+  </c:externalData>
+</c:chartSpace>
+</file>
+
 <file path=ppt/charts/chart2.xml><?xml version="1.0" encoding="utf-8"?>
 <c:chartSpace xmlns:c="http://schemas.openxmlformats.org/drawingml/2006/chart" xmlns:a="http://schemas.openxmlformats.org/drawingml/2006/main" xmlns:r="http://schemas.openxmlformats.org/officeDocument/2006/relationships" xmlns:c16r2="http://schemas.microsoft.com/office/drawing/2015/06/chart">
   <c:date1904 val="0"/>
@@ -745,6 +1163,11 @@
               </a:ln>
               <a:effectLst/>
             </c:spPr>
+            <c:extLst>
+              <c:ext xmlns:c16="http://schemas.microsoft.com/office/drawing/2014/chart" uri="{C3380CC4-5D6E-409C-BE32-E72D297353CC}">
+                <c16:uniqueId val="{00000001-E82B-498A-B97D-40150381969C}"/>
+              </c:ext>
+            </c:extLst>
           </c:dPt>
           <c:dPt>
             <c:idx val="1"/>
@@ -760,6 +1183,11 @@
               </a:ln>
               <a:effectLst/>
             </c:spPr>
+            <c:extLst>
+              <c:ext xmlns:c16="http://schemas.microsoft.com/office/drawing/2014/chart" uri="{C3380CC4-5D6E-409C-BE32-E72D297353CC}">
+                <c16:uniqueId val="{00000003-E82B-498A-B97D-40150381969C}"/>
+              </c:ext>
+            </c:extLst>
           </c:dPt>
           <c:dPt>
             <c:idx val="2"/>
@@ -775,6 +1203,11 @@
               </a:ln>
               <a:effectLst/>
             </c:spPr>
+            <c:extLst>
+              <c:ext xmlns:c16="http://schemas.microsoft.com/office/drawing/2014/chart" uri="{C3380CC4-5D6E-409C-BE32-E72D297353CC}">
+                <c16:uniqueId val="{00000005-E82B-498A-B97D-40150381969C}"/>
+              </c:ext>
+            </c:extLst>
           </c:dPt>
           <c:dPt>
             <c:idx val="3"/>
@@ -790,6 +1223,11 @@
               </a:ln>
               <a:effectLst/>
             </c:spPr>
+            <c:extLst>
+              <c:ext xmlns:c16="http://schemas.microsoft.com/office/drawing/2014/chart" uri="{C3380CC4-5D6E-409C-BE32-E72D297353CC}">
+                <c16:uniqueId val="{00000007-E82B-498A-B97D-40150381969C}"/>
+              </c:ext>
+            </c:extLst>
           </c:dPt>
           <c:dPt>
             <c:idx val="4"/>
@@ -805,6 +1243,11 @@
               </a:ln>
               <a:effectLst/>
             </c:spPr>
+            <c:extLst>
+              <c:ext xmlns:c16="http://schemas.microsoft.com/office/drawing/2014/chart" uri="{C3380CC4-5D6E-409C-BE32-E72D297353CC}">
+                <c16:uniqueId val="{00000009-E82B-498A-B97D-40150381969C}"/>
+              </c:ext>
+            </c:extLst>
           </c:dPt>
           <c:dPt>
             <c:idx val="5"/>
@@ -820,6 +1263,11 @@
               </a:ln>
               <a:effectLst/>
             </c:spPr>
+            <c:extLst>
+              <c:ext xmlns:c16="http://schemas.microsoft.com/office/drawing/2014/chart" uri="{C3380CC4-5D6E-409C-BE32-E72D297353CC}">
+                <c16:uniqueId val="{0000000B-E82B-498A-B97D-40150381969C}"/>
+              </c:ext>
+            </c:extLst>
           </c:dPt>
           <c:dPt>
             <c:idx val="6"/>
@@ -837,6 +1285,11 @@
               </a:ln>
               <a:effectLst/>
             </c:spPr>
+            <c:extLst>
+              <c:ext xmlns:c16="http://schemas.microsoft.com/office/drawing/2014/chart" uri="{C3380CC4-5D6E-409C-BE32-E72D297353CC}">
+                <c16:uniqueId val="{0000000D-E82B-498A-B97D-40150381969C}"/>
+              </c:ext>
+            </c:extLst>
           </c:dPt>
           <c:dLbls>
             <c:spPr>
@@ -960,7 +1413,6 @@
           </c:extLst>
         </c:ser>
         <c:dLbls>
-          <c:dLblPos val="bestFit"/>
           <c:showLegendKey val="0"/>
           <c:showVal val="0"/>
           <c:showCatName val="0"/>
@@ -1114,6 +1566,11 @@
               </a:ln>
               <a:effectLst/>
             </c:spPr>
+            <c:extLst>
+              <c:ext xmlns:c16="http://schemas.microsoft.com/office/drawing/2014/chart" uri="{C3380CC4-5D6E-409C-BE32-E72D297353CC}">
+                <c16:uniqueId val="{00000001-9E61-4A30-9BD5-52BEFF91A387}"/>
+              </c:ext>
+            </c:extLst>
           </c:dPt>
           <c:dPt>
             <c:idx val="1"/>
@@ -1129,6 +1586,11 @@
               </a:ln>
               <a:effectLst/>
             </c:spPr>
+            <c:extLst>
+              <c:ext xmlns:c16="http://schemas.microsoft.com/office/drawing/2014/chart" uri="{C3380CC4-5D6E-409C-BE32-E72D297353CC}">
+                <c16:uniqueId val="{00000003-9E61-4A30-9BD5-52BEFF91A387}"/>
+              </c:ext>
+            </c:extLst>
           </c:dPt>
           <c:dPt>
             <c:idx val="2"/>
@@ -1144,6 +1606,11 @@
               </a:ln>
               <a:effectLst/>
             </c:spPr>
+            <c:extLst>
+              <c:ext xmlns:c16="http://schemas.microsoft.com/office/drawing/2014/chart" uri="{C3380CC4-5D6E-409C-BE32-E72D297353CC}">
+                <c16:uniqueId val="{00000005-9E61-4A30-9BD5-52BEFF91A387}"/>
+              </c:ext>
+            </c:extLst>
           </c:dPt>
           <c:dPt>
             <c:idx val="3"/>
@@ -1159,6 +1626,11 @@
               </a:ln>
               <a:effectLst/>
             </c:spPr>
+            <c:extLst>
+              <c:ext xmlns:c16="http://schemas.microsoft.com/office/drawing/2014/chart" uri="{C3380CC4-5D6E-409C-BE32-E72D297353CC}">
+                <c16:uniqueId val="{00000007-9E61-4A30-9BD5-52BEFF91A387}"/>
+              </c:ext>
+            </c:extLst>
           </c:dPt>
           <c:dPt>
             <c:idx val="4"/>
@@ -1174,6 +1646,11 @@
               </a:ln>
               <a:effectLst/>
             </c:spPr>
+            <c:extLst>
+              <c:ext xmlns:c16="http://schemas.microsoft.com/office/drawing/2014/chart" uri="{C3380CC4-5D6E-409C-BE32-E72D297353CC}">
+                <c16:uniqueId val="{00000009-9E61-4A30-9BD5-52BEFF91A387}"/>
+              </c:ext>
+            </c:extLst>
           </c:dPt>
           <c:dPt>
             <c:idx val="5"/>
@@ -1189,6 +1666,11 @@
               </a:ln>
               <a:effectLst/>
             </c:spPr>
+            <c:extLst>
+              <c:ext xmlns:c16="http://schemas.microsoft.com/office/drawing/2014/chart" uri="{C3380CC4-5D6E-409C-BE32-E72D297353CC}">
+                <c16:uniqueId val="{0000000B-9E61-4A30-9BD5-52BEFF91A387}"/>
+              </c:ext>
+            </c:extLst>
           </c:dPt>
           <c:dPt>
             <c:idx val="6"/>
@@ -1206,6 +1688,11 @@
               </a:ln>
               <a:effectLst/>
             </c:spPr>
+            <c:extLst>
+              <c:ext xmlns:c16="http://schemas.microsoft.com/office/drawing/2014/chart" uri="{C3380CC4-5D6E-409C-BE32-E72D297353CC}">
+                <c16:uniqueId val="{0000000D-9E61-4A30-9BD5-52BEFF91A387}"/>
+              </c:ext>
+            </c:extLst>
           </c:dPt>
           <c:dLbls>
             <c:spPr>
@@ -1482,6 +1969,11 @@
               </a:ln>
               <a:effectLst/>
             </c:spPr>
+            <c:extLst>
+              <c:ext xmlns:c16="http://schemas.microsoft.com/office/drawing/2014/chart" uri="{C3380CC4-5D6E-409C-BE32-E72D297353CC}">
+                <c16:uniqueId val="{00000001-77C2-4003-AB05-D5E8A1E50CF6}"/>
+              </c:ext>
+            </c:extLst>
           </c:dPt>
           <c:dPt>
             <c:idx val="1"/>
@@ -1497,6 +1989,11 @@
               </a:ln>
               <a:effectLst/>
             </c:spPr>
+            <c:extLst>
+              <c:ext xmlns:c16="http://schemas.microsoft.com/office/drawing/2014/chart" uri="{C3380CC4-5D6E-409C-BE32-E72D297353CC}">
+                <c16:uniqueId val="{00000003-77C2-4003-AB05-D5E8A1E50CF6}"/>
+              </c:ext>
+            </c:extLst>
           </c:dPt>
           <c:dPt>
             <c:idx val="2"/>
@@ -1512,6 +2009,11 @@
               </a:ln>
               <a:effectLst/>
             </c:spPr>
+            <c:extLst>
+              <c:ext xmlns:c16="http://schemas.microsoft.com/office/drawing/2014/chart" uri="{C3380CC4-5D6E-409C-BE32-E72D297353CC}">
+                <c16:uniqueId val="{00000005-77C2-4003-AB05-D5E8A1E50CF6}"/>
+              </c:ext>
+            </c:extLst>
           </c:dPt>
           <c:dPt>
             <c:idx val="3"/>
@@ -1527,6 +2029,11 @@
               </a:ln>
               <a:effectLst/>
             </c:spPr>
+            <c:extLst>
+              <c:ext xmlns:c16="http://schemas.microsoft.com/office/drawing/2014/chart" uri="{C3380CC4-5D6E-409C-BE32-E72D297353CC}">
+                <c16:uniqueId val="{00000007-77C2-4003-AB05-D5E8A1E50CF6}"/>
+              </c:ext>
+            </c:extLst>
           </c:dPt>
           <c:dPt>
             <c:idx val="4"/>
@@ -1542,6 +2049,11 @@
               </a:ln>
               <a:effectLst/>
             </c:spPr>
+            <c:extLst>
+              <c:ext xmlns:c16="http://schemas.microsoft.com/office/drawing/2014/chart" uri="{C3380CC4-5D6E-409C-BE32-E72D297353CC}">
+                <c16:uniqueId val="{00000009-77C2-4003-AB05-D5E8A1E50CF6}"/>
+              </c:ext>
+            </c:extLst>
           </c:dPt>
           <c:dPt>
             <c:idx val="5"/>
@@ -1557,6 +2069,11 @@
               </a:ln>
               <a:effectLst/>
             </c:spPr>
+            <c:extLst>
+              <c:ext xmlns:c16="http://schemas.microsoft.com/office/drawing/2014/chart" uri="{C3380CC4-5D6E-409C-BE32-E72D297353CC}">
+                <c16:uniqueId val="{0000000B-77C2-4003-AB05-D5E8A1E50CF6}"/>
+              </c:ext>
+            </c:extLst>
           </c:dPt>
           <c:dPt>
             <c:idx val="6"/>
@@ -1574,6 +2091,11 @@
               </a:ln>
               <a:effectLst/>
             </c:spPr>
+            <c:extLst>
+              <c:ext xmlns:c16="http://schemas.microsoft.com/office/drawing/2014/chart" uri="{C3380CC4-5D6E-409C-BE32-E72D297353CC}">
+                <c16:uniqueId val="{0000000D-77C2-4003-AB05-D5E8A1E50CF6}"/>
+              </c:ext>
+            </c:extLst>
           </c:dPt>
           <c:dLbls>
             <c:spPr>
@@ -2410,6 +2932,11 @@
               </a:ln>
               <a:effectLst/>
             </c:spPr>
+            <c:extLst>
+              <c:ext xmlns:c16="http://schemas.microsoft.com/office/drawing/2014/chart" uri="{C3380CC4-5D6E-409C-BE32-E72D297353CC}">
+                <c16:uniqueId val="{00000001-D1DF-409E-9F3B-69C20502D5A3}"/>
+              </c:ext>
+            </c:extLst>
           </c:dPt>
           <c:dPt>
             <c:idx val="1"/>
@@ -2425,6 +2952,11 @@
               </a:ln>
               <a:effectLst/>
             </c:spPr>
+            <c:extLst>
+              <c:ext xmlns:c16="http://schemas.microsoft.com/office/drawing/2014/chart" uri="{C3380CC4-5D6E-409C-BE32-E72D297353CC}">
+                <c16:uniqueId val="{00000003-D1DF-409E-9F3B-69C20502D5A3}"/>
+              </c:ext>
+            </c:extLst>
           </c:dPt>
           <c:dPt>
             <c:idx val="2"/>
@@ -2440,6 +2972,11 @@
               </a:ln>
               <a:effectLst/>
             </c:spPr>
+            <c:extLst>
+              <c:ext xmlns:c16="http://schemas.microsoft.com/office/drawing/2014/chart" uri="{C3380CC4-5D6E-409C-BE32-E72D297353CC}">
+                <c16:uniqueId val="{00000005-D1DF-409E-9F3B-69C20502D5A3}"/>
+              </c:ext>
+            </c:extLst>
           </c:dPt>
           <c:dPt>
             <c:idx val="3"/>
@@ -2455,6 +2992,11 @@
               </a:ln>
               <a:effectLst/>
             </c:spPr>
+            <c:extLst>
+              <c:ext xmlns:c16="http://schemas.microsoft.com/office/drawing/2014/chart" uri="{C3380CC4-5D6E-409C-BE32-E72D297353CC}">
+                <c16:uniqueId val="{00000007-D1DF-409E-9F3B-69C20502D5A3}"/>
+              </c:ext>
+            </c:extLst>
           </c:dPt>
           <c:dPt>
             <c:idx val="4"/>
@@ -2470,6 +3012,11 @@
               </a:ln>
               <a:effectLst/>
             </c:spPr>
+            <c:extLst>
+              <c:ext xmlns:c16="http://schemas.microsoft.com/office/drawing/2014/chart" uri="{C3380CC4-5D6E-409C-BE32-E72D297353CC}">
+                <c16:uniqueId val="{00000009-D1DF-409E-9F3B-69C20502D5A3}"/>
+              </c:ext>
+            </c:extLst>
           </c:dPt>
           <c:dPt>
             <c:idx val="5"/>
@@ -2485,6 +3032,11 @@
               </a:ln>
               <a:effectLst/>
             </c:spPr>
+            <c:extLst>
+              <c:ext xmlns:c16="http://schemas.microsoft.com/office/drawing/2014/chart" uri="{C3380CC4-5D6E-409C-BE32-E72D297353CC}">
+                <c16:uniqueId val="{0000000B-D1DF-409E-9F3B-69C20502D5A3}"/>
+              </c:ext>
+            </c:extLst>
           </c:dPt>
           <c:dPt>
             <c:idx val="6"/>
@@ -2502,6 +3054,11 @@
               </a:ln>
               <a:effectLst/>
             </c:spPr>
+            <c:extLst>
+              <c:ext xmlns:c16="http://schemas.microsoft.com/office/drawing/2014/chart" uri="{C3380CC4-5D6E-409C-BE32-E72D297353CC}">
+                <c16:uniqueId val="{0000000D-D1DF-409E-9F3B-69C20502D5A3}"/>
+              </c:ext>
+            </c:extLst>
           </c:dPt>
           <c:dLbls>
             <c:spPr>
@@ -2595,25 +3152,25 @@
                 <c:formatCode>0.00%</c:formatCode>
                 <c:ptCount val="7"/>
                 <c:pt idx="0">
-                  <c:v>0.44839600000000002</c:v>
+                  <c:v>0.44840000000000002</c:v>
                 </c:pt>
                 <c:pt idx="1">
-                  <c:v>0.386824</c:v>
+                  <c:v>0.38682</c:v>
                 </c:pt>
                 <c:pt idx="2">
-                  <c:v>0</c:v>
+                  <c:v>1.6959290000000001E-17</c:v>
                 </c:pt>
                 <c:pt idx="3">
-                  <c:v>3.9106599999999998E-3</c:v>
+                  <c:v>3.905688E-3</c:v>
                 </c:pt>
                 <c:pt idx="4">
-                  <c:v>6.6791359999999994E-2</c:v>
+                  <c:v>6.6797419999999996E-2</c:v>
                 </c:pt>
                 <c:pt idx="5">
-                  <c:v>1.8326830000000001E-17</c:v>
+                  <c:v>8.504211E-19</c:v>
                 </c:pt>
                 <c:pt idx="6">
-                  <c:v>9.4077999999999995E-2</c:v>
+                  <c:v>9.4076999999999994E-2</c:v>
                 </c:pt>
               </c:numCache>
             </c:numRef>
@@ -2778,6 +3335,11 @@
               </a:ln>
               <a:effectLst/>
             </c:spPr>
+            <c:extLst>
+              <c:ext xmlns:c16="http://schemas.microsoft.com/office/drawing/2014/chart" uri="{C3380CC4-5D6E-409C-BE32-E72D297353CC}">
+                <c16:uniqueId val="{00000001-2637-4906-8649-76F30CB5B9F9}"/>
+              </c:ext>
+            </c:extLst>
           </c:dPt>
           <c:dPt>
             <c:idx val="1"/>
@@ -2813,6 +3375,11 @@
               </a:ln>
               <a:effectLst/>
             </c:spPr>
+            <c:extLst>
+              <c:ext xmlns:c16="http://schemas.microsoft.com/office/drawing/2014/chart" uri="{C3380CC4-5D6E-409C-BE32-E72D297353CC}">
+                <c16:uniqueId val="{00000005-2637-4906-8649-76F30CB5B9F9}"/>
+              </c:ext>
+            </c:extLst>
           </c:dPt>
           <c:dPt>
             <c:idx val="3"/>
@@ -2828,6 +3395,11 @@
               </a:ln>
               <a:effectLst/>
             </c:spPr>
+            <c:extLst>
+              <c:ext xmlns:c16="http://schemas.microsoft.com/office/drawing/2014/chart" uri="{C3380CC4-5D6E-409C-BE32-E72D297353CC}">
+                <c16:uniqueId val="{00000007-2637-4906-8649-76F30CB5B9F9}"/>
+              </c:ext>
+            </c:extLst>
           </c:dPt>
           <c:dPt>
             <c:idx val="4"/>
@@ -2843,6 +3415,11 @@
               </a:ln>
               <a:effectLst/>
             </c:spPr>
+            <c:extLst>
+              <c:ext xmlns:c16="http://schemas.microsoft.com/office/drawing/2014/chart" uri="{C3380CC4-5D6E-409C-BE32-E72D297353CC}">
+                <c16:uniqueId val="{00000009-2637-4906-8649-76F30CB5B9F9}"/>
+              </c:ext>
+            </c:extLst>
           </c:dPt>
           <c:dPt>
             <c:idx val="5"/>
@@ -2858,6 +3435,11 @@
               </a:ln>
               <a:effectLst/>
             </c:spPr>
+            <c:extLst>
+              <c:ext xmlns:c16="http://schemas.microsoft.com/office/drawing/2014/chart" uri="{C3380CC4-5D6E-409C-BE32-E72D297353CC}">
+                <c16:uniqueId val="{0000000B-2637-4906-8649-76F30CB5B9F9}"/>
+              </c:ext>
+            </c:extLst>
           </c:dPt>
           <c:dPt>
             <c:idx val="6"/>
@@ -2875,6 +3457,11 @@
               </a:ln>
               <a:effectLst/>
             </c:spPr>
+            <c:extLst>
+              <c:ext xmlns:c16="http://schemas.microsoft.com/office/drawing/2014/chart" uri="{C3380CC4-5D6E-409C-BE32-E72D297353CC}">
+                <c16:uniqueId val="{0000000D-2637-4906-8649-76F30CB5B9F9}"/>
+              </c:ext>
+            </c:extLst>
           </c:dPt>
           <c:dLbls>
             <c:spPr>
@@ -3025,8 +3612,8 @@
           <c:yMode val="edge"/>
           <c:x val="6.1183128677280707E-2"/>
           <c:y val="0.81104387468307326"/>
-          <c:w val="0.80294127564539375"/>
-          <c:h val="0.18534588257500709"/>
+          <c:w val="0.88759273824544449"/>
+          <c:h val="0.13480248418813173"/>
         </c:manualLayout>
       </c:layout>
       <c:overlay val="0"/>
@@ -3553,16 +4140,7 @@
             </a:pPr>
             <a:r>
               <a:rPr lang="en-US" dirty="0"/>
-              <a:t>Optimal Weight based Upon </a:t>
-            </a:r>
-          </a:p>
-          <a:p>
-            <a:pPr>
-              <a:defRPr/>
-            </a:pPr>
-            <a:r>
-              <a:rPr lang="en-US" dirty="0"/>
-              <a:t>Posterior Expected Return</a:t>
+              <a:t>Long Only Optimal</a:t>
             </a:r>
           </a:p>
         </c:rich>
@@ -3610,7 +4188,7 @@
               <c:strCache>
                 <c:ptCount val="1"/>
                 <c:pt idx="0">
-                  <c:v>Optimal Portfolio based Upon Posterior Expected Return</c:v>
+                  <c:v>Unconstrained Long Only</c:v>
                 </c:pt>
               </c:strCache>
             </c:strRef>
@@ -3629,6 +4207,11 @@
               </a:ln>
               <a:effectLst/>
             </c:spPr>
+            <c:extLst>
+              <c:ext xmlns:c16="http://schemas.microsoft.com/office/drawing/2014/chart" uri="{C3380CC4-5D6E-409C-BE32-E72D297353CC}">
+                <c16:uniqueId val="{00000001-D1DF-409E-9F3B-69C20502D5A3}"/>
+              </c:ext>
+            </c:extLst>
           </c:dPt>
           <c:dPt>
             <c:idx val="1"/>
@@ -3644,6 +4227,11 @@
               </a:ln>
               <a:effectLst/>
             </c:spPr>
+            <c:extLst>
+              <c:ext xmlns:c16="http://schemas.microsoft.com/office/drawing/2014/chart" uri="{C3380CC4-5D6E-409C-BE32-E72D297353CC}">
+                <c16:uniqueId val="{00000003-D1DF-409E-9F3B-69C20502D5A3}"/>
+              </c:ext>
+            </c:extLst>
           </c:dPt>
           <c:dPt>
             <c:idx val="2"/>
@@ -3659,6 +4247,11 @@
               </a:ln>
               <a:effectLst/>
             </c:spPr>
+            <c:extLst>
+              <c:ext xmlns:c16="http://schemas.microsoft.com/office/drawing/2014/chart" uri="{C3380CC4-5D6E-409C-BE32-E72D297353CC}">
+                <c16:uniqueId val="{00000005-D1DF-409E-9F3B-69C20502D5A3}"/>
+              </c:ext>
+            </c:extLst>
           </c:dPt>
           <c:dPt>
             <c:idx val="3"/>
@@ -3674,6 +4267,11 @@
               </a:ln>
               <a:effectLst/>
             </c:spPr>
+            <c:extLst>
+              <c:ext xmlns:c16="http://schemas.microsoft.com/office/drawing/2014/chart" uri="{C3380CC4-5D6E-409C-BE32-E72D297353CC}">
+                <c16:uniqueId val="{00000007-D1DF-409E-9F3B-69C20502D5A3}"/>
+              </c:ext>
+            </c:extLst>
           </c:dPt>
           <c:dPt>
             <c:idx val="4"/>
@@ -3689,6 +4287,11 @@
               </a:ln>
               <a:effectLst/>
             </c:spPr>
+            <c:extLst>
+              <c:ext xmlns:c16="http://schemas.microsoft.com/office/drawing/2014/chart" uri="{C3380CC4-5D6E-409C-BE32-E72D297353CC}">
+                <c16:uniqueId val="{00000009-D1DF-409E-9F3B-69C20502D5A3}"/>
+              </c:ext>
+            </c:extLst>
           </c:dPt>
           <c:dPt>
             <c:idx val="5"/>
@@ -3704,6 +4307,11 @@
               </a:ln>
               <a:effectLst/>
             </c:spPr>
+            <c:extLst>
+              <c:ext xmlns:c16="http://schemas.microsoft.com/office/drawing/2014/chart" uri="{C3380CC4-5D6E-409C-BE32-E72D297353CC}">
+                <c16:uniqueId val="{0000000B-D1DF-409E-9F3B-69C20502D5A3}"/>
+              </c:ext>
+            </c:extLst>
           </c:dPt>
           <c:dPt>
             <c:idx val="6"/>
@@ -3721,6 +4329,11 @@
               </a:ln>
               <a:effectLst/>
             </c:spPr>
+            <c:extLst>
+              <c:ext xmlns:c16="http://schemas.microsoft.com/office/drawing/2014/chart" uri="{C3380CC4-5D6E-409C-BE32-E72D297353CC}">
+                <c16:uniqueId val="{0000000D-D1DF-409E-9F3B-69C20502D5A3}"/>
+              </c:ext>
+            </c:extLst>
           </c:dPt>
           <c:dLbls>
             <c:spPr>
@@ -3814,25 +4427,25 @@
                 <c:formatCode>0.00%</c:formatCode>
                 <c:ptCount val="7"/>
                 <c:pt idx="0">
-                  <c:v>0.25</c:v>
+                  <c:v>0.31656000000000001</c:v>
                 </c:pt>
                 <c:pt idx="1">
-                  <c:v>0.38310499999999997</c:v>
+                  <c:v>0.341227</c:v>
                 </c:pt>
                 <c:pt idx="2">
                   <c:v>0</c:v>
                 </c:pt>
                 <c:pt idx="3">
-                  <c:v>0.14335300000000001</c:v>
+                  <c:v>0.1159631</c:v>
                 </c:pt>
                 <c:pt idx="4">
-                  <c:v>4.6417989999999999E-2</c:v>
+                  <c:v>5.0955559999999997E-2</c:v>
                 </c:pt>
                 <c:pt idx="5">
-                  <c:v>0.1112826</c:v>
+                  <c:v>0.1046309</c:v>
                 </c:pt>
                 <c:pt idx="6">
-                  <c:v>6.5841999999999998E-2</c:v>
+                  <c:v>7.0663000000000004E-2</c:v>
                 </c:pt>
               </c:numCache>
             </c:numRef>
@@ -3921,6 +4534,46 @@
 </file>
 
 <file path=ppt/charts/colors1.xml><?xml version="1.0" encoding="utf-8"?>
+<cs:colorStyle xmlns:cs="http://schemas.microsoft.com/office/drawing/2012/chartStyle" xmlns:a="http://schemas.openxmlformats.org/drawingml/2006/main" meth="cycle" id="10">
+  <a:schemeClr val="accent1"/>
+  <a:schemeClr val="accent2"/>
+  <a:schemeClr val="accent3"/>
+  <a:schemeClr val="accent4"/>
+  <a:schemeClr val="accent5"/>
+  <a:schemeClr val="accent6"/>
+  <cs:variation/>
+  <cs:variation>
+    <a:lumMod val="60000"/>
+  </cs:variation>
+  <cs:variation>
+    <a:lumMod val="80000"/>
+    <a:lumOff val="20000"/>
+  </cs:variation>
+  <cs:variation>
+    <a:lumMod val="80000"/>
+  </cs:variation>
+  <cs:variation>
+    <a:lumMod val="60000"/>
+    <a:lumOff val="40000"/>
+  </cs:variation>
+  <cs:variation>
+    <a:lumMod val="50000"/>
+  </cs:variation>
+  <cs:variation>
+    <a:lumMod val="70000"/>
+    <a:lumOff val="30000"/>
+  </cs:variation>
+  <cs:variation>
+    <a:lumMod val="70000"/>
+  </cs:variation>
+  <cs:variation>
+    <a:lumMod val="50000"/>
+    <a:lumOff val="50000"/>
+  </cs:variation>
+</cs:colorStyle>
+</file>
+
+<file path=ppt/charts/colors10.xml><?xml version="1.0" encoding="utf-8"?>
 <cs:colorStyle xmlns:cs="http://schemas.microsoft.com/office/drawing/2012/chartStyle" xmlns:a="http://schemas.openxmlformats.org/drawingml/2006/main" meth="cycle" id="10">
   <a:schemeClr val="accent1"/>
   <a:schemeClr val="accent2"/>
@@ -4751,6 +5404,525 @@
             <a:lumOff val="85000"/>
           </a:schemeClr>
         </a:solidFill>
+      </a:ln>
+    </cs:spPr>
+  </cs:upBar>
+  <cs:valueAxis>
+    <cs:lnRef idx="0"/>
+    <cs:fillRef idx="0"/>
+    <cs:effectRef idx="0"/>
+    <cs:fontRef idx="minor">
+      <a:schemeClr val="tx1">
+        <a:lumMod val="65000"/>
+        <a:lumOff val="35000"/>
+      </a:schemeClr>
+    </cs:fontRef>
+    <cs:defRPr sz="1197" kern="1200"/>
+  </cs:valueAxis>
+  <cs:wall>
+    <cs:lnRef idx="0"/>
+    <cs:fillRef idx="0"/>
+    <cs:effectRef idx="0"/>
+    <cs:fontRef idx="minor">
+      <a:schemeClr val="tx1"/>
+    </cs:fontRef>
+    <cs:spPr>
+      <a:noFill/>
+      <a:ln>
+        <a:noFill/>
+      </a:ln>
+    </cs:spPr>
+  </cs:wall>
+</cs:chartStyle>
+</file>
+
+<file path=ppt/charts/style10.xml><?xml version="1.0" encoding="utf-8"?>
+<cs:chartStyle xmlns:cs="http://schemas.microsoft.com/office/drawing/2012/chartStyle" xmlns:a="http://schemas.openxmlformats.org/drawingml/2006/main" id="251">
+  <cs:axisTitle>
+    <cs:lnRef idx="0"/>
+    <cs:fillRef idx="0"/>
+    <cs:effectRef idx="0"/>
+    <cs:fontRef idx="minor">
+      <a:schemeClr val="tx1">
+        <a:lumMod val="65000"/>
+        <a:lumOff val="35000"/>
+      </a:schemeClr>
+    </cs:fontRef>
+    <cs:defRPr sz="1330" kern="1200"/>
+  </cs:axisTitle>
+  <cs:categoryAxis>
+    <cs:lnRef idx="0"/>
+    <cs:fillRef idx="0"/>
+    <cs:effectRef idx="0"/>
+    <cs:fontRef idx="minor">
+      <a:schemeClr val="tx1">
+        <a:lumMod val="65000"/>
+        <a:lumOff val="35000"/>
+      </a:schemeClr>
+    </cs:fontRef>
+    <cs:spPr>
+      <a:ln w="9525" cap="flat" cmpd="sng" algn="ctr">
+        <a:solidFill>
+          <a:schemeClr val="tx1">
+            <a:lumMod val="15000"/>
+            <a:lumOff val="85000"/>
+          </a:schemeClr>
+        </a:solidFill>
+        <a:round/>
+      </a:ln>
+    </cs:spPr>
+    <cs:defRPr sz="1197" kern="1200"/>
+  </cs:categoryAxis>
+  <cs:chartArea mods="allowNoFillOverride allowNoLineOverride">
+    <cs:lnRef idx="0"/>
+    <cs:fillRef idx="0"/>
+    <cs:effectRef idx="0"/>
+    <cs:fontRef idx="minor">
+      <a:schemeClr val="tx1"/>
+    </cs:fontRef>
+    <cs:spPr>
+      <a:solidFill>
+        <a:schemeClr val="bg1"/>
+      </a:solidFill>
+      <a:ln w="9525" cap="flat" cmpd="sng" algn="ctr">
+        <a:solidFill>
+          <a:schemeClr val="tx1">
+            <a:lumMod val="15000"/>
+            <a:lumOff val="85000"/>
+          </a:schemeClr>
+        </a:solidFill>
+        <a:round/>
+      </a:ln>
+    </cs:spPr>
+    <cs:defRPr sz="1197" kern="1200"/>
+  </cs:chartArea>
+  <cs:dataLabel>
+    <cs:lnRef idx="0"/>
+    <cs:fillRef idx="0"/>
+    <cs:effectRef idx="0"/>
+    <cs:fontRef idx="minor">
+      <a:schemeClr val="tx1">
+        <a:lumMod val="75000"/>
+        <a:lumOff val="25000"/>
+      </a:schemeClr>
+    </cs:fontRef>
+    <cs:defRPr sz="1197" kern="1200"/>
+  </cs:dataLabel>
+  <cs:dataLabelCallout>
+    <cs:lnRef idx="0"/>
+    <cs:fillRef idx="0"/>
+    <cs:effectRef idx="0"/>
+    <cs:fontRef idx="minor">
+      <a:schemeClr val="dk1">
+        <a:lumMod val="65000"/>
+        <a:lumOff val="35000"/>
+      </a:schemeClr>
+    </cs:fontRef>
+    <cs:spPr>
+      <a:solidFill>
+        <a:schemeClr val="lt1"/>
+      </a:solidFill>
+      <a:ln>
+        <a:solidFill>
+          <a:schemeClr val="dk1">
+            <a:lumMod val="25000"/>
+            <a:lumOff val="75000"/>
+          </a:schemeClr>
+        </a:solidFill>
+      </a:ln>
+    </cs:spPr>
+    <cs:defRPr sz="1197" kern="1200"/>
+    <cs:bodyPr rot="0" spcFirstLastPara="1" vertOverflow="clip" horzOverflow="clip" vert="horz" wrap="square" lIns="36576" tIns="18288" rIns="36576" bIns="18288" anchor="ctr" anchorCtr="1">
+      <a:spAutoFit/>
+    </cs:bodyPr>
+  </cs:dataLabelCallout>
+  <cs:dataPoint>
+    <cs:lnRef idx="0"/>
+    <cs:fillRef idx="1">
+      <cs:styleClr val="auto"/>
+    </cs:fillRef>
+    <cs:effectRef idx="0"/>
+    <cs:fontRef idx="minor">
+      <a:schemeClr val="tx1"/>
+    </cs:fontRef>
+    <cs:spPr>
+      <a:ln w="19050">
+        <a:solidFill>
+          <a:schemeClr val="lt1"/>
+        </a:solidFill>
+      </a:ln>
+    </cs:spPr>
+  </cs:dataPoint>
+  <cs:dataPoint3D>
+    <cs:lnRef idx="0"/>
+    <cs:fillRef idx="1">
+      <cs:styleClr val="auto"/>
+    </cs:fillRef>
+    <cs:effectRef idx="0"/>
+    <cs:fontRef idx="minor">
+      <a:schemeClr val="tx1"/>
+    </cs:fontRef>
+    <cs:spPr>
+      <a:ln w="25400">
+        <a:solidFill>
+          <a:schemeClr val="lt1"/>
+        </a:solidFill>
+      </a:ln>
+    </cs:spPr>
+  </cs:dataPoint3D>
+  <cs:dataPointLine>
+    <cs:lnRef idx="0">
+      <cs:styleClr val="auto"/>
+    </cs:lnRef>
+    <cs:fillRef idx="0"/>
+    <cs:effectRef idx="0"/>
+    <cs:fontRef idx="minor">
+      <a:schemeClr val="tx1"/>
+    </cs:fontRef>
+    <cs:spPr>
+      <a:ln w="28575" cap="rnd">
+        <a:solidFill>
+          <a:schemeClr val="phClr"/>
+        </a:solidFill>
+        <a:round/>
+      </a:ln>
+    </cs:spPr>
+  </cs:dataPointLine>
+  <cs:dataPointMarker>
+    <cs:lnRef idx="0">
+      <cs:styleClr val="auto"/>
+    </cs:lnRef>
+    <cs:fillRef idx="1">
+      <cs:styleClr val="auto"/>
+    </cs:fillRef>
+    <cs:effectRef idx="0"/>
+    <cs:fontRef idx="minor">
+      <a:schemeClr val="tx1"/>
+    </cs:fontRef>
+    <cs:spPr>
+      <a:ln w="9525">
+        <a:solidFill>
+          <a:schemeClr val="phClr"/>
+        </a:solidFill>
+      </a:ln>
+    </cs:spPr>
+  </cs:dataPointMarker>
+  <cs:dataPointMarkerLayout symbol="circle" size="5"/>
+  <cs:dataPointWireframe>
+    <cs:lnRef idx="0">
+      <cs:styleClr val="auto"/>
+    </cs:lnRef>
+    <cs:fillRef idx="0"/>
+    <cs:effectRef idx="0"/>
+    <cs:fontRef idx="minor">
+      <a:schemeClr val="tx1"/>
+    </cs:fontRef>
+    <cs:spPr>
+      <a:ln w="9525" cap="rnd">
+        <a:solidFill>
+          <a:schemeClr val="phClr"/>
+        </a:solidFill>
+        <a:round/>
+      </a:ln>
+    </cs:spPr>
+  </cs:dataPointWireframe>
+  <cs:dataTable>
+    <cs:lnRef idx="0"/>
+    <cs:fillRef idx="0"/>
+    <cs:effectRef idx="0"/>
+    <cs:fontRef idx="minor">
+      <a:schemeClr val="tx1">
+        <a:lumMod val="65000"/>
+        <a:lumOff val="35000"/>
+      </a:schemeClr>
+    </cs:fontRef>
+    <cs:spPr>
+      <a:noFill/>
+      <a:ln w="9525" cap="flat" cmpd="sng" algn="ctr">
+        <a:solidFill>
+          <a:schemeClr val="tx1">
+            <a:lumMod val="15000"/>
+            <a:lumOff val="85000"/>
+          </a:schemeClr>
+        </a:solidFill>
+        <a:round/>
+      </a:ln>
+    </cs:spPr>
+    <cs:defRPr sz="1197" kern="1200"/>
+  </cs:dataTable>
+  <cs:downBar>
+    <cs:lnRef idx="0"/>
+    <cs:fillRef idx="0"/>
+    <cs:effectRef idx="0"/>
+    <cs:fontRef idx="minor">
+      <a:schemeClr val="tx1"/>
+    </cs:fontRef>
+    <cs:spPr>
+      <a:solidFill>
+        <a:schemeClr val="dk1">
+          <a:lumMod val="75000"/>
+          <a:lumOff val="25000"/>
+        </a:schemeClr>
+      </a:solidFill>
+      <a:ln w="9525" cap="flat" cmpd="sng" algn="ctr">
+        <a:solidFill>
+          <a:schemeClr val="tx1">
+            <a:lumMod val="65000"/>
+            <a:lumOff val="35000"/>
+          </a:schemeClr>
+        </a:solidFill>
+        <a:round/>
+      </a:ln>
+    </cs:spPr>
+  </cs:downBar>
+  <cs:dropLine>
+    <cs:lnRef idx="0"/>
+    <cs:fillRef idx="0"/>
+    <cs:effectRef idx="0"/>
+    <cs:fontRef idx="minor">
+      <a:schemeClr val="tx1"/>
+    </cs:fontRef>
+    <cs:spPr>
+      <a:ln w="9525" cap="flat" cmpd="sng" algn="ctr">
+        <a:solidFill>
+          <a:schemeClr val="tx1">
+            <a:lumMod val="35000"/>
+            <a:lumOff val="65000"/>
+          </a:schemeClr>
+        </a:solidFill>
+        <a:round/>
+      </a:ln>
+    </cs:spPr>
+  </cs:dropLine>
+  <cs:errorBar>
+    <cs:lnRef idx="0"/>
+    <cs:fillRef idx="0"/>
+    <cs:effectRef idx="0"/>
+    <cs:fontRef idx="minor">
+      <a:schemeClr val="tx1"/>
+    </cs:fontRef>
+    <cs:spPr>
+      <a:ln w="9525" cap="flat" cmpd="sng" algn="ctr">
+        <a:solidFill>
+          <a:schemeClr val="tx1">
+            <a:lumMod val="65000"/>
+            <a:lumOff val="35000"/>
+          </a:schemeClr>
+        </a:solidFill>
+        <a:round/>
+      </a:ln>
+    </cs:spPr>
+  </cs:errorBar>
+  <cs:floor>
+    <cs:lnRef idx="0"/>
+    <cs:fillRef idx="0"/>
+    <cs:effectRef idx="0"/>
+    <cs:fontRef idx="minor">
+      <a:schemeClr val="tx1"/>
+    </cs:fontRef>
+    <cs:spPr>
+      <a:noFill/>
+      <a:ln>
+        <a:noFill/>
+      </a:ln>
+    </cs:spPr>
+  </cs:floor>
+  <cs:gridlineMajor>
+    <cs:lnRef idx="0"/>
+    <cs:fillRef idx="0"/>
+    <cs:effectRef idx="0"/>
+    <cs:fontRef idx="minor">
+      <a:schemeClr val="tx1"/>
+    </cs:fontRef>
+    <cs:spPr>
+      <a:ln w="9525" cap="flat" cmpd="sng" algn="ctr">
+        <a:solidFill>
+          <a:schemeClr val="tx1">
+            <a:lumMod val="15000"/>
+            <a:lumOff val="85000"/>
+          </a:schemeClr>
+        </a:solidFill>
+        <a:round/>
+      </a:ln>
+    </cs:spPr>
+  </cs:gridlineMajor>
+  <cs:gridlineMinor>
+    <cs:lnRef idx="0"/>
+    <cs:fillRef idx="0"/>
+    <cs:effectRef idx="0"/>
+    <cs:fontRef idx="minor">
+      <a:schemeClr val="tx1"/>
+    </cs:fontRef>
+    <cs:spPr>
+      <a:ln w="9525" cap="flat" cmpd="sng" algn="ctr">
+        <a:solidFill>
+          <a:schemeClr val="tx1">
+            <a:lumMod val="5000"/>
+            <a:lumOff val="95000"/>
+          </a:schemeClr>
+        </a:solidFill>
+        <a:round/>
+      </a:ln>
+    </cs:spPr>
+  </cs:gridlineMinor>
+  <cs:hiLoLine>
+    <cs:lnRef idx="0"/>
+    <cs:fillRef idx="0"/>
+    <cs:effectRef idx="0"/>
+    <cs:fontRef idx="minor">
+      <a:schemeClr val="tx1"/>
+    </cs:fontRef>
+    <cs:spPr>
+      <a:ln w="9525" cap="flat" cmpd="sng" algn="ctr">
+        <a:solidFill>
+          <a:schemeClr val="tx1">
+            <a:lumMod val="50000"/>
+            <a:lumOff val="50000"/>
+          </a:schemeClr>
+        </a:solidFill>
+        <a:round/>
+      </a:ln>
+    </cs:spPr>
+  </cs:hiLoLine>
+  <cs:leaderLine>
+    <cs:lnRef idx="0"/>
+    <cs:fillRef idx="0"/>
+    <cs:effectRef idx="0"/>
+    <cs:fontRef idx="minor">
+      <a:schemeClr val="tx1"/>
+    </cs:fontRef>
+    <cs:spPr>
+      <a:ln w="9525" cap="flat" cmpd="sng" algn="ctr">
+        <a:solidFill>
+          <a:schemeClr val="tx1">
+            <a:lumMod val="35000"/>
+            <a:lumOff val="65000"/>
+          </a:schemeClr>
+        </a:solidFill>
+        <a:round/>
+      </a:ln>
+    </cs:spPr>
+  </cs:leaderLine>
+  <cs:legend>
+    <cs:lnRef idx="0"/>
+    <cs:fillRef idx="0"/>
+    <cs:effectRef idx="0"/>
+    <cs:fontRef idx="minor">
+      <a:schemeClr val="tx1">
+        <a:lumMod val="65000"/>
+        <a:lumOff val="35000"/>
+      </a:schemeClr>
+    </cs:fontRef>
+    <cs:defRPr sz="1197" kern="1200"/>
+  </cs:legend>
+  <cs:plotArea mods="allowNoFillOverride allowNoLineOverride">
+    <cs:lnRef idx="0"/>
+    <cs:fillRef idx="0"/>
+    <cs:effectRef idx="0"/>
+    <cs:fontRef idx="minor">
+      <a:schemeClr val="tx1"/>
+    </cs:fontRef>
+  </cs:plotArea>
+  <cs:plotArea3D mods="allowNoFillOverride allowNoLineOverride">
+    <cs:lnRef idx="0"/>
+    <cs:fillRef idx="0"/>
+    <cs:effectRef idx="0"/>
+    <cs:fontRef idx="minor">
+      <a:schemeClr val="tx1"/>
+    </cs:fontRef>
+  </cs:plotArea3D>
+  <cs:seriesAxis>
+    <cs:lnRef idx="0"/>
+    <cs:fillRef idx="0"/>
+    <cs:effectRef idx="0"/>
+    <cs:fontRef idx="minor">
+      <a:schemeClr val="tx1">
+        <a:lumMod val="65000"/>
+        <a:lumOff val="35000"/>
+      </a:schemeClr>
+    </cs:fontRef>
+    <cs:defRPr sz="1197" kern="1200"/>
+  </cs:seriesAxis>
+  <cs:seriesLine>
+    <cs:lnRef idx="0"/>
+    <cs:fillRef idx="0"/>
+    <cs:effectRef idx="0"/>
+    <cs:fontRef idx="minor">
+      <a:schemeClr val="tx1"/>
+    </cs:fontRef>
+    <cs:spPr>
+      <a:ln w="9525" cap="flat" cmpd="sng" algn="ctr">
+        <a:solidFill>
+          <a:schemeClr val="tx1">
+            <a:lumMod val="35000"/>
+            <a:lumOff val="65000"/>
+          </a:schemeClr>
+        </a:solidFill>
+        <a:round/>
+      </a:ln>
+    </cs:spPr>
+  </cs:seriesLine>
+  <cs:title>
+    <cs:lnRef idx="0"/>
+    <cs:fillRef idx="0"/>
+    <cs:effectRef idx="0"/>
+    <cs:fontRef idx="minor">
+      <a:schemeClr val="tx1">
+        <a:lumMod val="65000"/>
+        <a:lumOff val="35000"/>
+      </a:schemeClr>
+    </cs:fontRef>
+    <cs:defRPr sz="1862" b="0" kern="1200" spc="0" baseline="0"/>
+  </cs:title>
+  <cs:trendline>
+    <cs:lnRef idx="0">
+      <cs:styleClr val="auto"/>
+    </cs:lnRef>
+    <cs:fillRef idx="0"/>
+    <cs:effectRef idx="0"/>
+    <cs:fontRef idx="minor">
+      <a:schemeClr val="tx1"/>
+    </cs:fontRef>
+    <cs:spPr>
+      <a:ln w="19050" cap="rnd">
+        <a:solidFill>
+          <a:schemeClr val="phClr"/>
+        </a:solidFill>
+        <a:prstDash val="sysDot"/>
+      </a:ln>
+    </cs:spPr>
+  </cs:trendline>
+  <cs:trendlineLabel>
+    <cs:lnRef idx="0"/>
+    <cs:fillRef idx="0"/>
+    <cs:effectRef idx="0"/>
+    <cs:fontRef idx="minor">
+      <a:schemeClr val="tx1">
+        <a:lumMod val="65000"/>
+        <a:lumOff val="35000"/>
+      </a:schemeClr>
+    </cs:fontRef>
+    <cs:defRPr sz="1197" kern="1200"/>
+  </cs:trendlineLabel>
+  <cs:upBar>
+    <cs:lnRef idx="0"/>
+    <cs:fillRef idx="0"/>
+    <cs:effectRef idx="0"/>
+    <cs:fontRef idx="minor">
+      <a:schemeClr val="tx1"/>
+    </cs:fontRef>
+    <cs:spPr>
+      <a:solidFill>
+        <a:schemeClr val="lt1"/>
+      </a:solidFill>
+      <a:ln w="9525" cap="flat" cmpd="sng" algn="ctr">
+        <a:solidFill>
+          <a:schemeClr val="tx1">
+            <a:lumMod val="65000"/>
+            <a:lumOff val="35000"/>
+          </a:schemeClr>
+        </a:solidFill>
+        <a:round/>
       </a:ln>
     </cs:spPr>
   </cs:upBar>
@@ -9056,7 +10228,7 @@
               <a:pPr>
                 <a:defRPr/>
               </a:pPr>
-              <a:t>9/13/2017 3:48 PM</a:t>
+              <a:t>9/14/2017 11:40 AM</a:t>
             </a:fld>
             <a:endParaRPr lang="en-US" dirty="0"/>
           </a:p>
@@ -10735,7 +11907,7 @@
     </p:spTree>
     <p:extLst>
       <p:ext uri="{BB962C8B-B14F-4D97-AF65-F5344CB8AC3E}">
-        <p14:creationId xmlns:p14="http://schemas.microsoft.com/office/powerpoint/2010/main" val="2716414325"/>
+        <p14:creationId xmlns:p14="http://schemas.microsoft.com/office/powerpoint/2010/main" val="3813289692"/>
       </p:ext>
     </p:extLst>
   </p:cSld>
@@ -12123,7 +13295,7 @@
               <a:pPr>
                 <a:defRPr/>
               </a:pPr>
-              <a:t>September 13, 2017</a:t>
+              <a:t>September 14, 2017</a:t>
             </a:fld>
             <a:endParaRPr lang="en-US" dirty="0"/>
           </a:p>
@@ -14534,17 +15706,17 @@
           </a:ln>
           <a:extLst>
             <a:ext uri="{FAA26D3D-D897-4be2-8F04-BA451C77F1D7}">
-              <ma14:placeholderFlag xmlns:ma14="http://schemas.microsoft.com/office/mac/drawingml/2011/main" xmlns="" val="1"/>
+              <ma14:placeholderFlag xmlns="" xmlns:ma14="http://schemas.microsoft.com/office/mac/drawingml/2011/main" val="1"/>
             </a:ext>
             <a:ext uri="{909E8E84-426E-40dd-AFC4-6F175D3DCCD1}">
-              <a14:hiddenFill xmlns:a14="http://schemas.microsoft.com/office/drawing/2010/main" xmlns="">
+              <a14:hiddenFill xmlns="" xmlns:a14="http://schemas.microsoft.com/office/drawing/2010/main">
                 <a:solidFill>
                   <a:srgbClr val="FFFFFF"/>
                 </a:solidFill>
               </a14:hiddenFill>
             </a:ext>
             <a:ext uri="{91240B29-F687-4f45-9708-019B960494DF}">
-              <a14:hiddenLine xmlns:a14="http://schemas.microsoft.com/office/drawing/2010/main" xmlns="" w="9525">
+              <a14:hiddenLine xmlns="" xmlns:a14="http://schemas.microsoft.com/office/drawing/2010/main" w="9525">
                 <a:solidFill>
                   <a:srgbClr val="000000"/>
                 </a:solidFill>
@@ -14595,17 +15767,17 @@
           </a:ln>
           <a:extLst>
             <a:ext uri="{FAA26D3D-D897-4be2-8F04-BA451C77F1D7}">
-              <ma14:placeholderFlag xmlns:ma14="http://schemas.microsoft.com/office/mac/drawingml/2011/main" xmlns="" val="1"/>
+              <ma14:placeholderFlag xmlns="" xmlns:ma14="http://schemas.microsoft.com/office/mac/drawingml/2011/main" val="1"/>
             </a:ext>
             <a:ext uri="{909E8E84-426E-40dd-AFC4-6F175D3DCCD1}">
-              <a14:hiddenFill xmlns:a14="http://schemas.microsoft.com/office/drawing/2010/main" xmlns="">
+              <a14:hiddenFill xmlns="" xmlns:a14="http://schemas.microsoft.com/office/drawing/2010/main">
                 <a:solidFill>
                   <a:srgbClr val="FFFFFF"/>
                 </a:solidFill>
               </a14:hiddenFill>
             </a:ext>
             <a:ext uri="{91240B29-F687-4f45-9708-019B960494DF}">
-              <a14:hiddenLine xmlns:a14="http://schemas.microsoft.com/office/drawing/2010/main" xmlns="" w="9525">
+              <a14:hiddenLine xmlns="" xmlns:a14="http://schemas.microsoft.com/office/drawing/2010/main" w="9525">
                 <a:solidFill>
                   <a:srgbClr val="000000"/>
                 </a:solidFill>
@@ -16085,7 +17257,7 @@
           <p:nvPr>
             <p:extLst>
               <p:ext uri="{D42A27DB-BD31-4B8C-83A1-F6EECF244321}">
-                <p14:modId xmlns:p14="http://schemas.microsoft.com/office/powerpoint/2010/main" val="3973633282"/>
+                <p14:modId xmlns:p14="http://schemas.microsoft.com/office/powerpoint/2010/main" val="292739325"/>
               </p:ext>
             </p:extLst>
           </p:nvPr>
@@ -16115,7 +17287,7 @@
           <p:nvPr>
             <p:extLst>
               <p:ext uri="{D42A27DB-BD31-4B8C-83A1-F6EECF244321}">
-                <p14:modId xmlns:p14="http://schemas.microsoft.com/office/powerpoint/2010/main" val="3043505993"/>
+                <p14:modId xmlns:p14="http://schemas.microsoft.com/office/powerpoint/2010/main" val="2128954761"/>
               </p:ext>
             </p:extLst>
           </p:nvPr>
@@ -17092,6 +18264,56 @@
                     <a:p>
                       <a:pPr algn="ctr" fontAlgn="b"/>
                       <a:r>
+                        <a:rPr lang="en-US" sz="1100" b="0" i="0" u="none" strike="noStrike" dirty="0">
+                          <a:solidFill>
+                            <a:srgbClr val="000000"/>
+                          </a:solidFill>
+                          <a:effectLst/>
+                          <a:latin typeface="Calibri" panose="020F0502020204030204" pitchFamily="34" charset="0"/>
+                        </a:rPr>
+                        <a:t>10.08%</a:t>
+                      </a:r>
+                    </a:p>
+                  </a:txBody>
+                  <a:tcPr marL="9525" marR="9525" marT="9525" anchor="b">
+                    <a:gradFill>
+                      <a:gsLst>
+                        <a:gs pos="0">
+                          <a:schemeClr val="accent1">
+                            <a:lumMod val="5000"/>
+                            <a:lumOff val="95000"/>
+                          </a:schemeClr>
+                        </a:gs>
+                        <a:gs pos="74000">
+                          <a:schemeClr val="accent1">
+                            <a:lumMod val="45000"/>
+                            <a:lumOff val="55000"/>
+                          </a:schemeClr>
+                        </a:gs>
+                        <a:gs pos="83000">
+                          <a:schemeClr val="accent1">
+                            <a:lumMod val="45000"/>
+                            <a:lumOff val="55000"/>
+                          </a:schemeClr>
+                        </a:gs>
+                        <a:gs pos="100000">
+                          <a:schemeClr val="accent1">
+                            <a:lumMod val="30000"/>
+                            <a:lumOff val="70000"/>
+                          </a:schemeClr>
+                        </a:gs>
+                      </a:gsLst>
+                      <a:lin ang="5400000" scaled="1"/>
+                    </a:gradFill>
+                  </a:tcPr>
+                </a:tc>
+                <a:tc>
+                  <a:txBody>
+                    <a:bodyPr/>
+                    <a:lstStyle/>
+                    <a:p>
+                      <a:pPr algn="ctr" fontAlgn="b"/>
+                      <a:r>
                         <a:rPr lang="en-US" sz="1100" b="0" i="0" u="none" strike="noStrike">
                           <a:solidFill>
                             <a:srgbClr val="000000"/>
@@ -17099,7 +18321,207 @@
                           <a:effectLst/>
                           <a:latin typeface="Calibri" panose="020F0502020204030204" pitchFamily="34" charset="0"/>
                         </a:rPr>
-                        <a:t>5.04%</a:t>
+                        <a:t>14.18%</a:t>
+                      </a:r>
+                    </a:p>
+                  </a:txBody>
+                  <a:tcPr marL="9525" marR="9525" marT="9525" anchor="b">
+                    <a:gradFill>
+                      <a:gsLst>
+                        <a:gs pos="0">
+                          <a:schemeClr val="accent1">
+                            <a:lumMod val="5000"/>
+                            <a:lumOff val="95000"/>
+                          </a:schemeClr>
+                        </a:gs>
+                        <a:gs pos="74000">
+                          <a:schemeClr val="accent1">
+                            <a:lumMod val="45000"/>
+                            <a:lumOff val="55000"/>
+                          </a:schemeClr>
+                        </a:gs>
+                        <a:gs pos="83000">
+                          <a:schemeClr val="accent1">
+                            <a:lumMod val="45000"/>
+                            <a:lumOff val="55000"/>
+                          </a:schemeClr>
+                        </a:gs>
+                        <a:gs pos="100000">
+                          <a:schemeClr val="accent1">
+                            <a:lumMod val="30000"/>
+                            <a:lumOff val="70000"/>
+                          </a:schemeClr>
+                        </a:gs>
+                      </a:gsLst>
+                      <a:lin ang="5400000" scaled="1"/>
+                    </a:gradFill>
+                  </a:tcPr>
+                </a:tc>
+                <a:tc>
+                  <a:txBody>
+                    <a:bodyPr/>
+                    <a:lstStyle/>
+                    <a:p>
+                      <a:pPr algn="ctr" fontAlgn="b"/>
+                      <a:r>
+                        <a:rPr lang="en-US" sz="1100" b="0" i="0" u="none" strike="noStrike">
+                          <a:solidFill>
+                            <a:srgbClr val="000000"/>
+                          </a:solidFill>
+                          <a:effectLst/>
+                          <a:latin typeface="Calibri" panose="020F0502020204030204" pitchFamily="34" charset="0"/>
+                        </a:rPr>
+                        <a:t>13.14%</a:t>
+                      </a:r>
+                    </a:p>
+                  </a:txBody>
+                  <a:tcPr marL="9525" marR="9525" marT="9525" anchor="b">
+                    <a:gradFill>
+                      <a:gsLst>
+                        <a:gs pos="0">
+                          <a:schemeClr val="accent1">
+                            <a:lumMod val="5000"/>
+                            <a:lumOff val="95000"/>
+                          </a:schemeClr>
+                        </a:gs>
+                        <a:gs pos="74000">
+                          <a:schemeClr val="accent1">
+                            <a:lumMod val="45000"/>
+                            <a:lumOff val="55000"/>
+                          </a:schemeClr>
+                        </a:gs>
+                        <a:gs pos="83000">
+                          <a:schemeClr val="accent1">
+                            <a:lumMod val="45000"/>
+                            <a:lumOff val="55000"/>
+                          </a:schemeClr>
+                        </a:gs>
+                        <a:gs pos="100000">
+                          <a:schemeClr val="accent1">
+                            <a:lumMod val="30000"/>
+                            <a:lumOff val="70000"/>
+                          </a:schemeClr>
+                        </a:gs>
+                      </a:gsLst>
+                      <a:lin ang="5400000" scaled="1"/>
+                    </a:gradFill>
+                  </a:tcPr>
+                </a:tc>
+                <a:tc>
+                  <a:txBody>
+                    <a:bodyPr/>
+                    <a:lstStyle/>
+                    <a:p>
+                      <a:pPr algn="ctr" fontAlgn="b"/>
+                      <a:r>
+                        <a:rPr lang="en-US" sz="1100" b="0" i="0" u="none" strike="noStrike">
+                          <a:solidFill>
+                            <a:srgbClr val="000000"/>
+                          </a:solidFill>
+                          <a:effectLst/>
+                          <a:latin typeface="Calibri" panose="020F0502020204030204" pitchFamily="34" charset="0"/>
+                        </a:rPr>
+                        <a:t>15.30%</a:t>
+                      </a:r>
+                    </a:p>
+                  </a:txBody>
+                  <a:tcPr marL="9525" marR="9525" marT="9525" anchor="b">
+                    <a:gradFill>
+                      <a:gsLst>
+                        <a:gs pos="0">
+                          <a:schemeClr val="accent1">
+                            <a:lumMod val="5000"/>
+                            <a:lumOff val="95000"/>
+                          </a:schemeClr>
+                        </a:gs>
+                        <a:gs pos="74000">
+                          <a:schemeClr val="accent1">
+                            <a:lumMod val="45000"/>
+                            <a:lumOff val="55000"/>
+                          </a:schemeClr>
+                        </a:gs>
+                        <a:gs pos="83000">
+                          <a:schemeClr val="accent1">
+                            <a:lumMod val="45000"/>
+                            <a:lumOff val="55000"/>
+                          </a:schemeClr>
+                        </a:gs>
+                        <a:gs pos="100000">
+                          <a:schemeClr val="accent1">
+                            <a:lumMod val="30000"/>
+                            <a:lumOff val="70000"/>
+                          </a:schemeClr>
+                        </a:gs>
+                      </a:gsLst>
+                      <a:lin ang="5400000" scaled="1"/>
+                    </a:gradFill>
+                  </a:tcPr>
+                </a:tc>
+                <a:tc>
+                  <a:txBody>
+                    <a:bodyPr/>
+                    <a:lstStyle/>
+                    <a:p>
+                      <a:pPr algn="ctr" fontAlgn="b"/>
+                      <a:r>
+                        <a:rPr lang="en-US" sz="1100" b="0" i="0" u="none" strike="noStrike">
+                          <a:solidFill>
+                            <a:srgbClr val="000000"/>
+                          </a:solidFill>
+                          <a:effectLst/>
+                          <a:latin typeface="Calibri" panose="020F0502020204030204" pitchFamily="34" charset="0"/>
+                        </a:rPr>
+                        <a:t>19.71%</a:t>
+                      </a:r>
+                    </a:p>
+                  </a:txBody>
+                  <a:tcPr marL="9525" marR="9525" marT="9525" anchor="b">
+                    <a:gradFill>
+                      <a:gsLst>
+                        <a:gs pos="0">
+                          <a:schemeClr val="accent1">
+                            <a:lumMod val="5000"/>
+                            <a:lumOff val="95000"/>
+                          </a:schemeClr>
+                        </a:gs>
+                        <a:gs pos="74000">
+                          <a:schemeClr val="accent1">
+                            <a:lumMod val="45000"/>
+                            <a:lumOff val="55000"/>
+                          </a:schemeClr>
+                        </a:gs>
+                        <a:gs pos="83000">
+                          <a:schemeClr val="accent1">
+                            <a:lumMod val="45000"/>
+                            <a:lumOff val="55000"/>
+                          </a:schemeClr>
+                        </a:gs>
+                        <a:gs pos="100000">
+                          <a:schemeClr val="accent1">
+                            <a:lumMod val="30000"/>
+                            <a:lumOff val="70000"/>
+                          </a:schemeClr>
+                        </a:gs>
+                      </a:gsLst>
+                      <a:lin ang="5400000" scaled="1"/>
+                    </a:gradFill>
+                  </a:tcPr>
+                </a:tc>
+                <a:tc>
+                  <a:txBody>
+                    <a:bodyPr/>
+                    <a:lstStyle/>
+                    <a:p>
+                      <a:pPr algn="ctr" fontAlgn="b"/>
+                      <a:r>
+                        <a:rPr lang="en-US" sz="1100" b="0" i="0" u="none" strike="noStrike">
+                          <a:solidFill>
+                            <a:srgbClr val="000000"/>
+                          </a:solidFill>
+                          <a:effectLst/>
+                          <a:latin typeface="Calibri" panose="020F0502020204030204" pitchFamily="34" charset="0"/>
+                        </a:rPr>
+                        <a:t>18.22%</a:t>
                       </a:r>
                     </a:p>
                   </a:txBody>
@@ -17149,257 +18571,7 @@
                           <a:effectLst/>
                           <a:latin typeface="Calibri" panose="020F0502020204030204" pitchFamily="34" charset="0"/>
                         </a:rPr>
-                        <a:t>7.09%</a:t>
-                      </a:r>
-                    </a:p>
-                  </a:txBody>
-                  <a:tcPr marL="9525" marR="9525" marT="9525" anchor="b">
-                    <a:gradFill>
-                      <a:gsLst>
-                        <a:gs pos="0">
-                          <a:schemeClr val="accent1">
-                            <a:lumMod val="5000"/>
-                            <a:lumOff val="95000"/>
-                          </a:schemeClr>
-                        </a:gs>
-                        <a:gs pos="74000">
-                          <a:schemeClr val="accent1">
-                            <a:lumMod val="45000"/>
-                            <a:lumOff val="55000"/>
-                          </a:schemeClr>
-                        </a:gs>
-                        <a:gs pos="83000">
-                          <a:schemeClr val="accent1">
-                            <a:lumMod val="45000"/>
-                            <a:lumOff val="55000"/>
-                          </a:schemeClr>
-                        </a:gs>
-                        <a:gs pos="100000">
-                          <a:schemeClr val="accent1">
-                            <a:lumMod val="30000"/>
-                            <a:lumOff val="70000"/>
-                          </a:schemeClr>
-                        </a:gs>
-                      </a:gsLst>
-                      <a:lin ang="5400000" scaled="1"/>
-                    </a:gradFill>
-                  </a:tcPr>
-                </a:tc>
-                <a:tc>
-                  <a:txBody>
-                    <a:bodyPr/>
-                    <a:lstStyle/>
-                    <a:p>
-                      <a:pPr algn="ctr" fontAlgn="b"/>
-                      <a:r>
-                        <a:rPr lang="en-US" sz="1100" b="0" i="0" u="none" strike="noStrike" dirty="0">
-                          <a:solidFill>
-                            <a:srgbClr val="000000"/>
-                          </a:solidFill>
-                          <a:effectLst/>
-                          <a:latin typeface="Calibri" panose="020F0502020204030204" pitchFamily="34" charset="0"/>
-                        </a:rPr>
-                        <a:t>6.57%</a:t>
-                      </a:r>
-                    </a:p>
-                  </a:txBody>
-                  <a:tcPr marL="9525" marR="9525" marT="9525" anchor="b">
-                    <a:gradFill>
-                      <a:gsLst>
-                        <a:gs pos="0">
-                          <a:schemeClr val="accent1">
-                            <a:lumMod val="5000"/>
-                            <a:lumOff val="95000"/>
-                          </a:schemeClr>
-                        </a:gs>
-                        <a:gs pos="74000">
-                          <a:schemeClr val="accent1">
-                            <a:lumMod val="45000"/>
-                            <a:lumOff val="55000"/>
-                          </a:schemeClr>
-                        </a:gs>
-                        <a:gs pos="83000">
-                          <a:schemeClr val="accent1">
-                            <a:lumMod val="45000"/>
-                            <a:lumOff val="55000"/>
-                          </a:schemeClr>
-                        </a:gs>
-                        <a:gs pos="100000">
-                          <a:schemeClr val="accent1">
-                            <a:lumMod val="30000"/>
-                            <a:lumOff val="70000"/>
-                          </a:schemeClr>
-                        </a:gs>
-                      </a:gsLst>
-                      <a:lin ang="5400000" scaled="1"/>
-                    </a:gradFill>
-                  </a:tcPr>
-                </a:tc>
-                <a:tc>
-                  <a:txBody>
-                    <a:bodyPr/>
-                    <a:lstStyle/>
-                    <a:p>
-                      <a:pPr algn="ctr" fontAlgn="b"/>
-                      <a:r>
-                        <a:rPr lang="en-US" sz="1100" b="0" i="0" u="none" strike="noStrike" dirty="0">
-                          <a:solidFill>
-                            <a:srgbClr val="000000"/>
-                          </a:solidFill>
-                          <a:effectLst/>
-                          <a:latin typeface="Calibri" panose="020F0502020204030204" pitchFamily="34" charset="0"/>
-                        </a:rPr>
-                        <a:t>7.65%</a:t>
-                      </a:r>
-                    </a:p>
-                  </a:txBody>
-                  <a:tcPr marL="9525" marR="9525" marT="9525" anchor="b">
-                    <a:gradFill>
-                      <a:gsLst>
-                        <a:gs pos="0">
-                          <a:schemeClr val="accent1">
-                            <a:lumMod val="5000"/>
-                            <a:lumOff val="95000"/>
-                          </a:schemeClr>
-                        </a:gs>
-                        <a:gs pos="74000">
-                          <a:schemeClr val="accent1">
-                            <a:lumMod val="45000"/>
-                            <a:lumOff val="55000"/>
-                          </a:schemeClr>
-                        </a:gs>
-                        <a:gs pos="83000">
-                          <a:schemeClr val="accent1">
-                            <a:lumMod val="45000"/>
-                            <a:lumOff val="55000"/>
-                          </a:schemeClr>
-                        </a:gs>
-                        <a:gs pos="100000">
-                          <a:schemeClr val="accent1">
-                            <a:lumMod val="30000"/>
-                            <a:lumOff val="70000"/>
-                          </a:schemeClr>
-                        </a:gs>
-                      </a:gsLst>
-                      <a:lin ang="5400000" scaled="1"/>
-                    </a:gradFill>
-                  </a:tcPr>
-                </a:tc>
-                <a:tc>
-                  <a:txBody>
-                    <a:bodyPr/>
-                    <a:lstStyle/>
-                    <a:p>
-                      <a:pPr algn="ctr" fontAlgn="b"/>
-                      <a:r>
-                        <a:rPr lang="en-US" sz="1100" b="0" i="0" u="none" strike="noStrike" dirty="0">
-                          <a:solidFill>
-                            <a:srgbClr val="000000"/>
-                          </a:solidFill>
-                          <a:effectLst/>
-                          <a:latin typeface="Calibri" panose="020F0502020204030204" pitchFamily="34" charset="0"/>
-                        </a:rPr>
-                        <a:t>9.85%</a:t>
-                      </a:r>
-                    </a:p>
-                  </a:txBody>
-                  <a:tcPr marL="9525" marR="9525" marT="9525" anchor="b">
-                    <a:gradFill>
-                      <a:gsLst>
-                        <a:gs pos="0">
-                          <a:schemeClr val="accent1">
-                            <a:lumMod val="5000"/>
-                            <a:lumOff val="95000"/>
-                          </a:schemeClr>
-                        </a:gs>
-                        <a:gs pos="74000">
-                          <a:schemeClr val="accent1">
-                            <a:lumMod val="45000"/>
-                            <a:lumOff val="55000"/>
-                          </a:schemeClr>
-                        </a:gs>
-                        <a:gs pos="83000">
-                          <a:schemeClr val="accent1">
-                            <a:lumMod val="45000"/>
-                            <a:lumOff val="55000"/>
-                          </a:schemeClr>
-                        </a:gs>
-                        <a:gs pos="100000">
-                          <a:schemeClr val="accent1">
-                            <a:lumMod val="30000"/>
-                            <a:lumOff val="70000"/>
-                          </a:schemeClr>
-                        </a:gs>
-                      </a:gsLst>
-                      <a:lin ang="5400000" scaled="1"/>
-                    </a:gradFill>
-                  </a:tcPr>
-                </a:tc>
-                <a:tc>
-                  <a:txBody>
-                    <a:bodyPr/>
-                    <a:lstStyle/>
-                    <a:p>
-                      <a:pPr algn="ctr" fontAlgn="b"/>
-                      <a:r>
-                        <a:rPr lang="en-US" sz="1100" b="0" i="0" u="none" strike="noStrike" dirty="0">
-                          <a:solidFill>
-                            <a:srgbClr val="000000"/>
-                          </a:solidFill>
-                          <a:effectLst/>
-                          <a:latin typeface="Calibri" panose="020F0502020204030204" pitchFamily="34" charset="0"/>
-                        </a:rPr>
-                        <a:t>9.11%</a:t>
-                      </a:r>
-                    </a:p>
-                  </a:txBody>
-                  <a:tcPr marL="9525" marR="9525" marT="9525" anchor="b">
-                    <a:gradFill>
-                      <a:gsLst>
-                        <a:gs pos="0">
-                          <a:schemeClr val="accent1">
-                            <a:lumMod val="5000"/>
-                            <a:lumOff val="95000"/>
-                          </a:schemeClr>
-                        </a:gs>
-                        <a:gs pos="74000">
-                          <a:schemeClr val="accent1">
-                            <a:lumMod val="45000"/>
-                            <a:lumOff val="55000"/>
-                          </a:schemeClr>
-                        </a:gs>
-                        <a:gs pos="83000">
-                          <a:schemeClr val="accent1">
-                            <a:lumMod val="45000"/>
-                            <a:lumOff val="55000"/>
-                          </a:schemeClr>
-                        </a:gs>
-                        <a:gs pos="100000">
-                          <a:schemeClr val="accent1">
-                            <a:lumMod val="30000"/>
-                            <a:lumOff val="70000"/>
-                          </a:schemeClr>
-                        </a:gs>
-                      </a:gsLst>
-                      <a:lin ang="5400000" scaled="1"/>
-                    </a:gradFill>
-                  </a:tcPr>
-                </a:tc>
-                <a:tc>
-                  <a:txBody>
-                    <a:bodyPr/>
-                    <a:lstStyle/>
-                    <a:p>
-                      <a:pPr algn="ctr" fontAlgn="b"/>
-                      <a:r>
-                        <a:rPr lang="en-US" sz="1100" b="0" i="0" u="none" strike="noStrike" dirty="0">
-                          <a:solidFill>
-                            <a:srgbClr val="000000"/>
-                          </a:solidFill>
-                          <a:effectLst/>
-                          <a:latin typeface="Calibri" panose="020F0502020204030204" pitchFamily="34" charset="0"/>
-                        </a:rPr>
-                        <a:t>12.62%</a:t>
+                        <a:t>25.24%</a:t>
                       </a:r>
                     </a:p>
                   </a:txBody>
@@ -21910,7 +23082,7 @@
           <p:nvPr>
             <p:extLst>
               <p:ext uri="{D42A27DB-BD31-4B8C-83A1-F6EECF244321}">
-                <p14:modId xmlns:p14="http://schemas.microsoft.com/office/powerpoint/2010/main" val="3052423800"/>
+                <p14:modId xmlns:p14="http://schemas.microsoft.com/office/powerpoint/2010/main" val="3096890505"/>
               </p:ext>
             </p:extLst>
           </p:nvPr>
@@ -21938,7 +23110,7 @@
           <p:nvPr>
             <p:extLst>
               <p:ext uri="{D42A27DB-BD31-4B8C-83A1-F6EECF244321}">
-                <p14:modId xmlns:p14="http://schemas.microsoft.com/office/powerpoint/2010/main" val="4122393835"/>
+                <p14:modId xmlns:p14="http://schemas.microsoft.com/office/powerpoint/2010/main" val="2097010366"/>
               </p:ext>
             </p:extLst>
           </p:nvPr>
@@ -24317,7 +25489,7 @@
           <p:nvPr>
             <p:extLst>
               <p:ext uri="{D42A27DB-BD31-4B8C-83A1-F6EECF244321}">
-                <p14:modId xmlns:p14="http://schemas.microsoft.com/office/powerpoint/2010/main" val="414350077"/>
+                <p14:modId xmlns:p14="http://schemas.microsoft.com/office/powerpoint/2010/main" val="4006912440"/>
               </p:ext>
             </p:extLst>
           </p:nvPr>
@@ -24544,6 +25716,26 @@
                 <a:latin typeface="Arial Narrow"/>
                 <a:cs typeface="Arial Narrow"/>
               </a:rPr>
+              <a:t>US_HighYield</a:t>
+            </a:r>
+            <a:r>
+              <a:rPr lang="en-US" sz="800" dirty="0">
+                <a:solidFill>
+                  <a:srgbClr val="002247"/>
+                </a:solidFill>
+                <a:latin typeface="Arial Narrow"/>
+                <a:cs typeface="Arial Narrow"/>
+              </a:rPr>
+              <a:t>, </a:t>
+            </a:r>
+            <a:r>
+              <a:rPr lang="en-US" sz="800" dirty="0" err="1">
+                <a:solidFill>
+                  <a:srgbClr val="002247"/>
+                </a:solidFill>
+                <a:latin typeface="Arial Narrow"/>
+                <a:cs typeface="Arial Narrow"/>
+              </a:rPr>
               <a:t>US_LargeCap</a:t>
             </a:r>
             <a:r>
@@ -24632,7 +25824,7 @@
           <p:nvPr>
             <p:extLst>
               <p:ext uri="{D42A27DB-BD31-4B8C-83A1-F6EECF244321}">
-                <p14:modId xmlns:p14="http://schemas.microsoft.com/office/powerpoint/2010/main" val="2370182054"/>
+                <p14:modId xmlns:p14="http://schemas.microsoft.com/office/powerpoint/2010/main" val="3278626324"/>
               </p:ext>
             </p:extLst>
           </p:nvPr>
@@ -24660,7 +25852,7 @@
           <p:nvPr>
             <p:extLst>
               <p:ext uri="{D42A27DB-BD31-4B8C-83A1-F6EECF244321}">
-                <p14:modId xmlns:p14="http://schemas.microsoft.com/office/powerpoint/2010/main" val="248927427"/>
+                <p14:modId xmlns:p14="http://schemas.microsoft.com/office/powerpoint/2010/main" val="117912340"/>
               </p:ext>
             </p:extLst>
           </p:nvPr>
@@ -25761,7 +26953,7 @@
           <p:nvPr>
             <p:extLst>
               <p:ext uri="{D42A27DB-BD31-4B8C-83A1-F6EECF244321}">
-                <p14:modId xmlns:p14="http://schemas.microsoft.com/office/powerpoint/2010/main" val="1369540202"/>
+                <p14:modId xmlns:p14="http://schemas.microsoft.com/office/powerpoint/2010/main" val="3824540171"/>
               </p:ext>
             </p:extLst>
           </p:nvPr>
@@ -27899,14 +29091,14 @@
                     <a:p>
                       <a:pPr algn="ctr" fontAlgn="b"/>
                       <a:r>
-                        <a:rPr lang="en-US" sz="1100" b="0" i="0" u="none" strike="noStrike">
+                        <a:rPr lang="en-US" sz="1100" b="0" i="0" u="none" strike="noStrike" dirty="0">
                           <a:solidFill>
                             <a:srgbClr val="000000"/>
                           </a:solidFill>
                           <a:effectLst/>
                           <a:latin typeface="Calibri" panose="020F0502020204030204" pitchFamily="34" charset="0"/>
                         </a:rPr>
-                        <a:t>3.77%</a:t>
+                        <a:t>4.77%</a:t>
                       </a:r>
                     </a:p>
                   </a:txBody>
@@ -30066,7 +31258,7 @@
           <p:nvPr>
             <p:extLst>
               <p:ext uri="{D42A27DB-BD31-4B8C-83A1-F6EECF244321}">
-                <p14:modId xmlns:p14="http://schemas.microsoft.com/office/powerpoint/2010/main" val="3550190707"/>
+                <p14:modId xmlns:p14="http://schemas.microsoft.com/office/powerpoint/2010/main" val="1802507917"/>
               </p:ext>
             </p:extLst>
           </p:nvPr>
@@ -30711,7 +31903,7 @@
                     <a:p>
                       <a:pPr algn="ctr" fontAlgn="b"/>
                       <a:r>
-                        <a:rPr lang="en-US" sz="1100" b="0" i="0" u="none" strike="noStrike">
+                        <a:rPr lang="en-US" sz="1100" b="0" i="0" u="none" strike="noStrike" dirty="0">
                           <a:solidFill>
                             <a:srgbClr val="000000"/>
                           </a:solidFill>
@@ -30731,84 +31923,6 @@
                       <a:round/>
                       <a:headEnd type="none" w="med" len="med"/>
                       <a:tailEnd type="none" w="med" len="med"/>
-                    </a:lnL>
-                    <a:lnR>
-                      <a:noFill/>
-                    </a:lnR>
-                    <a:lnT w="6350" cap="flat" cmpd="sng" algn="ctr">
-                      <a:solidFill>
-                        <a:srgbClr val="000000"/>
-                      </a:solidFill>
-                      <a:prstDash val="solid"/>
-                      <a:round/>
-                      <a:headEnd type="none" w="med" len="med"/>
-                      <a:tailEnd type="none" w="med" len="med"/>
-                    </a:lnT>
-                    <a:lnB>
-                      <a:noFill/>
-                    </a:lnB>
-                  </a:tcPr>
-                </a:tc>
-                <a:tc>
-                  <a:txBody>
-                    <a:bodyPr/>
-                    <a:lstStyle/>
-                    <a:p>
-                      <a:pPr algn="ctr" fontAlgn="b"/>
-                      <a:r>
-                        <a:rPr lang="en-US" sz="1100" b="0" i="0" u="none" strike="noStrike" dirty="0">
-                          <a:solidFill>
-                            <a:srgbClr val="000000"/>
-                          </a:solidFill>
-                          <a:effectLst/>
-                          <a:latin typeface="Calibri" panose="020F0502020204030204" pitchFamily="34" charset="0"/>
-                        </a:rPr>
-                        <a:t>7.80%</a:t>
-                      </a:r>
-                    </a:p>
-                  </a:txBody>
-                  <a:tcPr marL="9525" marR="9525" marT="9525" anchor="b">
-                    <a:lnL>
-                      <a:noFill/>
-                    </a:lnL>
-                    <a:lnR>
-                      <a:noFill/>
-                    </a:lnR>
-                    <a:lnT w="6350" cap="flat" cmpd="sng" algn="ctr">
-                      <a:solidFill>
-                        <a:srgbClr val="000000"/>
-                      </a:solidFill>
-                      <a:prstDash val="solid"/>
-                      <a:round/>
-                      <a:headEnd type="none" w="med" len="med"/>
-                      <a:tailEnd type="none" w="med" len="med"/>
-                    </a:lnT>
-                    <a:lnB>
-                      <a:noFill/>
-                    </a:lnB>
-                  </a:tcPr>
-                </a:tc>
-                <a:tc>
-                  <a:txBody>
-                    <a:bodyPr/>
-                    <a:lstStyle/>
-                    <a:p>
-                      <a:pPr algn="ctr" fontAlgn="b"/>
-                      <a:r>
-                        <a:rPr lang="en-US" sz="1100" b="0" i="0" u="none" strike="noStrike" dirty="0">
-                          <a:solidFill>
-                            <a:srgbClr val="000000"/>
-                          </a:solidFill>
-                          <a:effectLst/>
-                          <a:latin typeface="Calibri" panose="020F0502020204030204" pitchFamily="34" charset="0"/>
-                        </a:rPr>
-                        <a:t>4.17%</a:t>
-                      </a:r>
-                    </a:p>
-                  </a:txBody>
-                  <a:tcPr marL="9525" marR="9525" marT="9525" anchor="b">
-                    <a:lnL>
-                      <a:noFill/>
                     </a:lnL>
                     <a:lnR>
                       <a:noFill/>
@@ -30841,7 +31955,85 @@
                           <a:effectLst/>
                           <a:latin typeface="Calibri" panose="020F0502020204030204" pitchFamily="34" charset="0"/>
                         </a:rPr>
-                        <a:t>7.86%</a:t>
+                        <a:t>7.80%</a:t>
+                      </a:r>
+                    </a:p>
+                  </a:txBody>
+                  <a:tcPr marL="9525" marR="9525" marT="9525" anchor="b">
+                    <a:lnL>
+                      <a:noFill/>
+                    </a:lnL>
+                    <a:lnR>
+                      <a:noFill/>
+                    </a:lnR>
+                    <a:lnT w="6350" cap="flat" cmpd="sng" algn="ctr">
+                      <a:solidFill>
+                        <a:srgbClr val="000000"/>
+                      </a:solidFill>
+                      <a:prstDash val="solid"/>
+                      <a:round/>
+                      <a:headEnd type="none" w="med" len="med"/>
+                      <a:tailEnd type="none" w="med" len="med"/>
+                    </a:lnT>
+                    <a:lnB>
+                      <a:noFill/>
+                    </a:lnB>
+                  </a:tcPr>
+                </a:tc>
+                <a:tc>
+                  <a:txBody>
+                    <a:bodyPr/>
+                    <a:lstStyle/>
+                    <a:p>
+                      <a:pPr algn="ctr" fontAlgn="b"/>
+                      <a:r>
+                        <a:rPr lang="en-US" sz="1100" b="0" i="0" u="none" strike="noStrike">
+                          <a:solidFill>
+                            <a:srgbClr val="000000"/>
+                          </a:solidFill>
+                          <a:effectLst/>
+                          <a:latin typeface="Calibri" panose="020F0502020204030204" pitchFamily="34" charset="0"/>
+                        </a:rPr>
+                        <a:t>4.65%</a:t>
+                      </a:r>
+                    </a:p>
+                  </a:txBody>
+                  <a:tcPr marL="9525" marR="9525" marT="9525" anchor="b">
+                    <a:lnL>
+                      <a:noFill/>
+                    </a:lnL>
+                    <a:lnR>
+                      <a:noFill/>
+                    </a:lnR>
+                    <a:lnT w="6350" cap="flat" cmpd="sng" algn="ctr">
+                      <a:solidFill>
+                        <a:srgbClr val="000000"/>
+                      </a:solidFill>
+                      <a:prstDash val="solid"/>
+                      <a:round/>
+                      <a:headEnd type="none" w="med" len="med"/>
+                      <a:tailEnd type="none" w="med" len="med"/>
+                    </a:lnT>
+                    <a:lnB>
+                      <a:noFill/>
+                    </a:lnB>
+                  </a:tcPr>
+                </a:tc>
+                <a:tc>
+                  <a:txBody>
+                    <a:bodyPr/>
+                    <a:lstStyle/>
+                    <a:p>
+                      <a:pPr algn="ctr" fontAlgn="b"/>
+                      <a:r>
+                        <a:rPr lang="en-US" sz="1100" b="0" i="0" u="none" strike="noStrike">
+                          <a:solidFill>
+                            <a:srgbClr val="000000"/>
+                          </a:solidFill>
+                          <a:effectLst/>
+                          <a:latin typeface="Calibri" panose="020F0502020204030204" pitchFamily="34" charset="0"/>
+                        </a:rPr>
+                        <a:t>7.87%</a:t>
                       </a:r>
                     </a:p>
                   </a:txBody>
@@ -30912,7 +32104,7 @@
                     <a:p>
                       <a:pPr algn="ctr" fontAlgn="b"/>
                       <a:r>
-                        <a:rPr lang="en-US" sz="1100" b="0" i="0" u="none" strike="noStrike" dirty="0">
+                        <a:rPr lang="en-US" sz="1100" b="0" i="0" u="none" strike="noStrike">
                           <a:solidFill>
                             <a:srgbClr val="000000"/>
                           </a:solidFill>
@@ -30952,26 +32144,13 @@
                       <a:pPr algn="ctr" fontAlgn="b"/>
                       <a:r>
                         <a:rPr lang="en-US" sz="1100" b="0" i="0" u="none" strike="noStrike" dirty="0">
-                          <a:ln>
-                            <a:noFill/>
-                          </a:ln>
                           <a:solidFill>
                             <a:srgbClr val="000000"/>
                           </a:solidFill>
                           <a:effectLst/>
                           <a:latin typeface="Calibri" panose="020F0502020204030204" pitchFamily="34" charset="0"/>
                         </a:rPr>
-                        <a:t>8.58</a:t>
-                      </a:r>
-                      <a:r>
-                        <a:rPr lang="en-US" sz="1100" b="0" i="0" u="none" strike="noStrike" dirty="0">
-                          <a:solidFill>
-                            <a:srgbClr val="000000"/>
-                          </a:solidFill>
-                          <a:effectLst/>
-                          <a:latin typeface="Calibri" panose="020F0502020204030204" pitchFamily="34" charset="0"/>
-                        </a:rPr>
-                        <a:t>%</a:t>
+                        <a:t>8.58%</a:t>
                       </a:r>
                     </a:p>
                   </a:txBody>
@@ -31226,7 +32405,7 @@
                 <a:latin typeface="Arial Narrow"/>
                 <a:cs typeface="Arial Narrow"/>
               </a:rPr>
-              <a:t> optimization is based upon posterior expected return and variance, with risk aversion factor, Gamma, as 4. </a:t>
+              <a:t> optimization is based upon posterior expected return and variance, with risk aversion factor, Gamma, as 4.  </a:t>
             </a:r>
             <a:endParaRPr lang="en-US" sz="800" baseline="30000" dirty="0">
               <a:solidFill>
@@ -31266,18 +32445,46 @@
           <p:nvPr>
             <p:extLst>
               <p:ext uri="{D42A27DB-BD31-4B8C-83A1-F6EECF244321}">
-                <p14:modId xmlns:p14="http://schemas.microsoft.com/office/powerpoint/2010/main" val="1885684407"/>
+                <p14:modId xmlns:p14="http://schemas.microsoft.com/office/powerpoint/2010/main" val="2285991821"/>
               </p:ext>
             </p:extLst>
           </p:nvPr>
         </p:nvGraphicFramePr>
         <p:xfrm>
-          <a:off x="800100" y="1131538"/>
-          <a:ext cx="5657850" cy="3784074"/>
+          <a:off x="0" y="1000443"/>
+          <a:ext cx="4123765" cy="3591311"/>
         </p:xfrm>
         <a:graphic>
           <a:graphicData uri="http://schemas.openxmlformats.org/drawingml/2006/chart">
             <c:chart xmlns:c="http://schemas.openxmlformats.org/drawingml/2006/chart" xmlns:r="http://schemas.openxmlformats.org/officeDocument/2006/relationships" r:id="rId3"/>
+          </a:graphicData>
+        </a:graphic>
+      </p:graphicFrame>
+      <p:graphicFrame>
+        <p:nvGraphicFramePr>
+          <p:cNvPr id="13" name="Chart 12">
+            <a:extLst>
+              <a:ext uri="{FF2B5EF4-FFF2-40B4-BE49-F238E27FC236}">
+                <a16:creationId xmlns:a16="http://schemas.microsoft.com/office/drawing/2014/main" id="{0D0AECC2-23E3-4073-B92A-F2A2EF82495B}"/>
+              </a:ext>
+            </a:extLst>
+          </p:cNvPr>
+          <p:cNvGraphicFramePr/>
+          <p:nvPr>
+            <p:extLst>
+              <p:ext uri="{D42A27DB-BD31-4B8C-83A1-F6EECF244321}">
+                <p14:modId xmlns:p14="http://schemas.microsoft.com/office/powerpoint/2010/main" val="3668356803"/>
+              </p:ext>
+            </p:extLst>
+          </p:nvPr>
+        </p:nvGraphicFramePr>
+        <p:xfrm>
+          <a:off x="3944472" y="1000443"/>
+          <a:ext cx="5100916" cy="3517769"/>
+        </p:xfrm>
+        <a:graphic>
+          <a:graphicData uri="http://schemas.openxmlformats.org/drawingml/2006/chart">
+            <c:chart xmlns:c="http://schemas.openxmlformats.org/drawingml/2006/chart" xmlns:r="http://schemas.openxmlformats.org/officeDocument/2006/relationships" r:id="rId4"/>
           </a:graphicData>
         </a:graphic>
       </p:graphicFrame>
@@ -31296,36 +32503,43 @@
           <p:nvPr>
             <p:extLst>
               <p:ext uri="{D42A27DB-BD31-4B8C-83A1-F6EECF244321}">
-                <p14:modId xmlns:p14="http://schemas.microsoft.com/office/powerpoint/2010/main" val="3287424006"/>
+                <p14:modId xmlns:p14="http://schemas.microsoft.com/office/powerpoint/2010/main" val="1562649455"/>
               </p:ext>
             </p:extLst>
           </p:nvPr>
         </p:nvGraphicFramePr>
         <p:xfrm>
-          <a:off x="1605243" y="5121993"/>
-          <a:ext cx="3814482" cy="906417"/>
+          <a:off x="986118" y="5046707"/>
+          <a:ext cx="5773271" cy="1019175"/>
         </p:xfrm>
         <a:graphic>
           <a:graphicData uri="http://schemas.openxmlformats.org/drawingml/2006/table">
             <a:tbl>
               <a:tblPr/>
               <a:tblGrid>
-                <a:gridCol w="2044976">
+                <a:gridCol w="1946452">
                   <a:extLst>
                     <a:ext uri="{9D8B030D-6E8A-4147-A177-3AD203B41FA5}">
                       <a16:colId xmlns:a16="http://schemas.microsoft.com/office/drawing/2014/main" val="3251786880"/>
                     </a:ext>
                   </a:extLst>
                 </a:gridCol>
-                <a:gridCol w="1769506">
+                <a:gridCol w="1684254">
                   <a:extLst>
                     <a:ext uri="{9D8B030D-6E8A-4147-A177-3AD203B41FA5}">
                       <a16:colId xmlns:a16="http://schemas.microsoft.com/office/drawing/2014/main" val="2835969345"/>
                     </a:ext>
                   </a:extLst>
                 </a:gridCol>
+                <a:gridCol w="2142565">
+                  <a:extLst>
+                    <a:ext uri="{9D8B030D-6E8A-4147-A177-3AD203B41FA5}">
+                      <a16:colId xmlns:a16="http://schemas.microsoft.com/office/drawing/2014/main" val="1729337467"/>
+                    </a:ext>
+                  </a:extLst>
+                </a:gridCol>
               </a:tblGrid>
-              <a:tr h="302139">
+              <a:tr h="241308">
                 <a:tc>
                   <a:txBody>
                     <a:bodyPr/>
@@ -31397,25 +32611,8 @@
                           <a:effectLst/>
                           <a:latin typeface="Calibri" panose="020F0502020204030204" pitchFamily="34" charset="0"/>
                         </a:rPr>
-                        <a:t>BL-</a:t>
+                        <a:t>Long Only</a:t>
                       </a:r>
-                      <a:r>
-                        <a:rPr lang="en-US" sz="1400" b="1" i="0" u="none" strike="noStrike" dirty="0" err="1">
-                          <a:solidFill>
-                            <a:srgbClr val="000000"/>
-                          </a:solidFill>
-                          <a:effectLst/>
-                          <a:latin typeface="Calibri" panose="020F0502020204030204" pitchFamily="34" charset="0"/>
-                        </a:rPr>
-                        <a:t>OptimalPortfolio</a:t>
-                      </a:r>
-                      <a:endParaRPr lang="en-US" sz="1400" b="1" i="0" u="none" strike="noStrike" dirty="0">
-                        <a:solidFill>
-                          <a:srgbClr val="000000"/>
-                        </a:solidFill>
-                        <a:effectLst/>
-                        <a:latin typeface="Calibri" panose="020F0502020204030204" pitchFamily="34" charset="0"/>
-                      </a:endParaRPr>
                     </a:p>
                   </a:txBody>
                   <a:tcPr marL="9525" marR="9525" marT="9525" anchor="b">
@@ -31460,13 +32657,6 @@
                     </a:solidFill>
                   </a:tcPr>
                 </a:tc>
-                <a:extLst>
-                  <a:ext uri="{0D108BD9-81ED-4DB2-BD59-A6C34878D82A}">
-                    <a16:rowId xmlns:a16="http://schemas.microsoft.com/office/drawing/2014/main" val="1100301171"/>
-                  </a:ext>
-                </a:extLst>
-              </a:tr>
-              <a:tr h="302139">
                 <a:tc>
                   <a:txBody>
                     <a:bodyPr/>
@@ -31481,7 +32671,7 @@
                           <a:effectLst/>
                           <a:latin typeface="Calibri" panose="020F0502020204030204" pitchFamily="34" charset="0"/>
                         </a:rPr>
-                        <a:t>Return (posterior)</a:t>
+                        <a:t>Concentration Constrained and Long Only</a:t>
                       </a:r>
                     </a:p>
                   </a:txBody>
@@ -31527,71 +32717,13 @@
                     </a:solidFill>
                   </a:tcPr>
                 </a:tc>
-                <a:tc>
-                  <a:txBody>
-                    <a:bodyPr/>
-                    <a:lstStyle/>
-                    <a:p>
-                      <a:pPr algn="ctr" rtl="0" fontAlgn="b"/>
-                      <a:r>
-                        <a:rPr lang="en-US" sz="1400" b="0" i="0" u="none" strike="noStrike" dirty="0">
-                          <a:solidFill>
-                            <a:srgbClr val="000000"/>
-                          </a:solidFill>
-                          <a:effectLst/>
-                          <a:latin typeface="Calibri" panose="020F0502020204030204" pitchFamily="34" charset="0"/>
-                          <a:cs typeface="Calibri" panose="020F0502020204030204" pitchFamily="34" charset="0"/>
-                        </a:rPr>
-                        <a:t>7.28%</a:t>
-                      </a:r>
-                    </a:p>
-                  </a:txBody>
-                  <a:tcPr marL="9525" marR="9525" marT="9525" anchor="b">
-                    <a:lnL w="6350" cap="flat" cmpd="sng" algn="ctr">
-                      <a:solidFill>
-                        <a:srgbClr val="000000"/>
-                      </a:solidFill>
-                      <a:prstDash val="solid"/>
-                      <a:round/>
-                      <a:headEnd type="none" w="med" len="med"/>
-                      <a:tailEnd type="none" w="med" len="med"/>
-                    </a:lnL>
-                    <a:lnR w="6350" cap="flat" cmpd="sng" algn="ctr">
-                      <a:solidFill>
-                        <a:srgbClr val="000000"/>
-                      </a:solidFill>
-                      <a:prstDash val="solid"/>
-                      <a:round/>
-                      <a:headEnd type="none" w="med" len="med"/>
-                      <a:tailEnd type="none" w="med" len="med"/>
-                    </a:lnR>
-                    <a:lnT w="6350" cap="flat" cmpd="sng" algn="ctr">
-                      <a:solidFill>
-                        <a:srgbClr val="000000"/>
-                      </a:solidFill>
-                      <a:prstDash val="solid"/>
-                      <a:round/>
-                      <a:headEnd type="none" w="med" len="med"/>
-                      <a:tailEnd type="none" w="med" len="med"/>
-                    </a:lnT>
-                    <a:lnB w="6350" cap="flat" cmpd="sng" algn="ctr">
-                      <a:solidFill>
-                        <a:srgbClr val="000000"/>
-                      </a:solidFill>
-                      <a:prstDash val="solid"/>
-                      <a:round/>
-                      <a:headEnd type="none" w="med" len="med"/>
-                      <a:tailEnd type="none" w="med" len="med"/>
-                    </a:lnB>
-                  </a:tcPr>
-                </a:tc>
                 <a:extLst>
                   <a:ext uri="{0D108BD9-81ED-4DB2-BD59-A6C34878D82A}">
-                    <a16:rowId xmlns:a16="http://schemas.microsoft.com/office/drawing/2014/main" val="2053872512"/>
+                    <a16:rowId xmlns:a16="http://schemas.microsoft.com/office/drawing/2014/main" val="1100301171"/>
                   </a:ext>
                 </a:extLst>
               </a:tr>
-              <a:tr h="302139">
+              <a:tr h="241308">
                 <a:tc>
                   <a:txBody>
                     <a:bodyPr/>
@@ -31606,7 +32738,7 @@
                           <a:effectLst/>
                           <a:latin typeface="Calibri" panose="020F0502020204030204" pitchFamily="34" charset="0"/>
                         </a:rPr>
-                        <a:t>Volatility (posterior)</a:t>
+                        <a:t>Return</a:t>
                       </a:r>
                     </a:p>
                   </a:txBody>
@@ -31657,7 +32789,7 @@
                     <a:bodyPr/>
                     <a:lstStyle/>
                     <a:p>
-                      <a:pPr algn="ctr" rtl="0" fontAlgn="b"/>
+                      <a:pPr algn="ctr" fontAlgn="b"/>
                       <a:r>
                         <a:rPr lang="en-US" sz="1400" b="0" i="0" u="none" strike="noStrike" dirty="0">
                           <a:solidFill>
@@ -31665,7 +32797,244 @@
                           </a:solidFill>
                           <a:effectLst/>
                           <a:latin typeface="Calibri" panose="020F0502020204030204" pitchFamily="34" charset="0"/>
-                          <a:cs typeface="Calibri" panose="020F0502020204030204" pitchFamily="34" charset="0"/>
+                        </a:rPr>
+                        <a:t>7.11%</a:t>
+                      </a:r>
+                    </a:p>
+                  </a:txBody>
+                  <a:tcPr marL="9525" marR="9525" marT="9525" anchor="b">
+                    <a:lnL w="6350" cap="flat" cmpd="sng" algn="ctr">
+                      <a:solidFill>
+                        <a:srgbClr val="000000"/>
+                      </a:solidFill>
+                      <a:prstDash val="solid"/>
+                      <a:round/>
+                      <a:headEnd type="none" w="med" len="med"/>
+                      <a:tailEnd type="none" w="med" len="med"/>
+                    </a:lnL>
+                    <a:lnR w="6350" cap="flat" cmpd="sng" algn="ctr">
+                      <a:solidFill>
+                        <a:srgbClr val="000000"/>
+                      </a:solidFill>
+                      <a:prstDash val="solid"/>
+                      <a:round/>
+                      <a:headEnd type="none" w="med" len="med"/>
+                      <a:tailEnd type="none" w="med" len="med"/>
+                    </a:lnR>
+                    <a:lnT w="6350" cap="flat" cmpd="sng" algn="ctr">
+                      <a:solidFill>
+                        <a:srgbClr val="000000"/>
+                      </a:solidFill>
+                      <a:prstDash val="solid"/>
+                      <a:round/>
+                      <a:headEnd type="none" w="med" len="med"/>
+                      <a:tailEnd type="none" w="med" len="med"/>
+                    </a:lnT>
+                    <a:lnB w="6350" cap="flat" cmpd="sng" algn="ctr">
+                      <a:solidFill>
+                        <a:srgbClr val="000000"/>
+                      </a:solidFill>
+                      <a:prstDash val="solid"/>
+                      <a:round/>
+                      <a:headEnd type="none" w="med" len="med"/>
+                      <a:tailEnd type="none" w="med" len="med"/>
+                    </a:lnB>
+                  </a:tcPr>
+                </a:tc>
+                <a:tc>
+                  <a:txBody>
+                    <a:bodyPr/>
+                    <a:lstStyle/>
+                    <a:p>
+                      <a:pPr algn="ctr" fontAlgn="b"/>
+                      <a:r>
+                        <a:rPr lang="en-US" sz="1400" b="0" i="0" u="none" strike="noStrike" dirty="0">
+                          <a:solidFill>
+                            <a:srgbClr val="000000"/>
+                          </a:solidFill>
+                          <a:effectLst/>
+                          <a:latin typeface="Calibri" panose="020F0502020204030204" pitchFamily="34" charset="0"/>
+                        </a:rPr>
+                        <a:t>7.28%</a:t>
+                      </a:r>
+                    </a:p>
+                  </a:txBody>
+                  <a:tcPr marL="9525" marR="9525" marT="9525" anchor="b">
+                    <a:lnL w="6350" cap="flat" cmpd="sng" algn="ctr">
+                      <a:solidFill>
+                        <a:srgbClr val="000000"/>
+                      </a:solidFill>
+                      <a:prstDash val="solid"/>
+                      <a:round/>
+                      <a:headEnd type="none" w="med" len="med"/>
+                      <a:tailEnd type="none" w="med" len="med"/>
+                    </a:lnL>
+                    <a:lnR w="6350" cap="flat" cmpd="sng" algn="ctr">
+                      <a:solidFill>
+                        <a:srgbClr val="000000"/>
+                      </a:solidFill>
+                      <a:prstDash val="solid"/>
+                      <a:round/>
+                      <a:headEnd type="none" w="med" len="med"/>
+                      <a:tailEnd type="none" w="med" len="med"/>
+                    </a:lnR>
+                    <a:lnT w="6350" cap="flat" cmpd="sng" algn="ctr">
+                      <a:solidFill>
+                        <a:srgbClr val="000000"/>
+                      </a:solidFill>
+                      <a:prstDash val="solid"/>
+                      <a:round/>
+                      <a:headEnd type="none" w="med" len="med"/>
+                      <a:tailEnd type="none" w="med" len="med"/>
+                    </a:lnT>
+                    <a:lnB w="6350" cap="flat" cmpd="sng" algn="ctr">
+                      <a:solidFill>
+                        <a:srgbClr val="000000"/>
+                      </a:solidFill>
+                      <a:prstDash val="solid"/>
+                      <a:round/>
+                      <a:headEnd type="none" w="med" len="med"/>
+                      <a:tailEnd type="none" w="med" len="med"/>
+                    </a:lnB>
+                  </a:tcPr>
+                </a:tc>
+                <a:extLst>
+                  <a:ext uri="{0D108BD9-81ED-4DB2-BD59-A6C34878D82A}">
+                    <a16:rowId xmlns:a16="http://schemas.microsoft.com/office/drawing/2014/main" val="2053872512"/>
+                  </a:ext>
+                </a:extLst>
+              </a:tr>
+              <a:tr h="241308">
+                <a:tc>
+                  <a:txBody>
+                    <a:bodyPr/>
+                    <a:lstStyle/>
+                    <a:p>
+                      <a:pPr algn="ctr" fontAlgn="b"/>
+                      <a:r>
+                        <a:rPr lang="en-US" sz="1400" b="1" i="0" u="none" strike="noStrike">
+                          <a:solidFill>
+                            <a:srgbClr val="000000"/>
+                          </a:solidFill>
+                          <a:effectLst/>
+                          <a:latin typeface="Calibri" panose="020F0502020204030204" pitchFamily="34" charset="0"/>
+                        </a:rPr>
+                        <a:t>Volatility</a:t>
+                      </a:r>
+                    </a:p>
+                  </a:txBody>
+                  <a:tcPr marL="9525" marR="9525" marT="9525" anchor="b">
+                    <a:lnL w="6350" cap="flat" cmpd="sng" algn="ctr">
+                      <a:solidFill>
+                        <a:srgbClr val="000000"/>
+                      </a:solidFill>
+                      <a:prstDash val="solid"/>
+                      <a:round/>
+                      <a:headEnd type="none" w="med" len="med"/>
+                      <a:tailEnd type="none" w="med" len="med"/>
+                    </a:lnL>
+                    <a:lnR w="6350" cap="flat" cmpd="sng" algn="ctr">
+                      <a:solidFill>
+                        <a:srgbClr val="000000"/>
+                      </a:solidFill>
+                      <a:prstDash val="solid"/>
+                      <a:round/>
+                      <a:headEnd type="none" w="med" len="med"/>
+                      <a:tailEnd type="none" w="med" len="med"/>
+                    </a:lnR>
+                    <a:lnT w="6350" cap="flat" cmpd="sng" algn="ctr">
+                      <a:solidFill>
+                        <a:srgbClr val="000000"/>
+                      </a:solidFill>
+                      <a:prstDash val="solid"/>
+                      <a:round/>
+                      <a:headEnd type="none" w="med" len="med"/>
+                      <a:tailEnd type="none" w="med" len="med"/>
+                    </a:lnT>
+                    <a:lnB w="6350" cap="flat" cmpd="sng" algn="ctr">
+                      <a:solidFill>
+                        <a:srgbClr val="000000"/>
+                      </a:solidFill>
+                      <a:prstDash val="solid"/>
+                      <a:round/>
+                      <a:headEnd type="none" w="med" len="med"/>
+                      <a:tailEnd type="none" w="med" len="med"/>
+                    </a:lnB>
+                    <a:solidFill>
+                      <a:srgbClr val="D9D9D9"/>
+                    </a:solidFill>
+                  </a:tcPr>
+                </a:tc>
+                <a:tc>
+                  <a:txBody>
+                    <a:bodyPr/>
+                    <a:lstStyle/>
+                    <a:p>
+                      <a:pPr algn="ctr" fontAlgn="b"/>
+                      <a:r>
+                        <a:rPr lang="en-US" sz="1400" b="0" i="0" u="none" strike="noStrike">
+                          <a:solidFill>
+                            <a:srgbClr val="000000"/>
+                          </a:solidFill>
+                          <a:effectLst/>
+                          <a:latin typeface="Calibri" panose="020F0502020204030204" pitchFamily="34" charset="0"/>
+                        </a:rPr>
+                        <a:t>11.37%</a:t>
+                      </a:r>
+                    </a:p>
+                  </a:txBody>
+                  <a:tcPr marL="9525" marR="9525" marT="9525" anchor="b">
+                    <a:lnL w="6350" cap="flat" cmpd="sng" algn="ctr">
+                      <a:solidFill>
+                        <a:srgbClr val="000000"/>
+                      </a:solidFill>
+                      <a:prstDash val="solid"/>
+                      <a:round/>
+                      <a:headEnd type="none" w="med" len="med"/>
+                      <a:tailEnd type="none" w="med" len="med"/>
+                    </a:lnL>
+                    <a:lnR w="6350" cap="flat" cmpd="sng" algn="ctr">
+                      <a:solidFill>
+                        <a:srgbClr val="000000"/>
+                      </a:solidFill>
+                      <a:prstDash val="solid"/>
+                      <a:round/>
+                      <a:headEnd type="none" w="med" len="med"/>
+                      <a:tailEnd type="none" w="med" len="med"/>
+                    </a:lnR>
+                    <a:lnT w="6350" cap="flat" cmpd="sng" algn="ctr">
+                      <a:solidFill>
+                        <a:srgbClr val="000000"/>
+                      </a:solidFill>
+                      <a:prstDash val="solid"/>
+                      <a:round/>
+                      <a:headEnd type="none" w="med" len="med"/>
+                      <a:tailEnd type="none" w="med" len="med"/>
+                    </a:lnT>
+                    <a:lnB w="6350" cap="flat" cmpd="sng" algn="ctr">
+                      <a:solidFill>
+                        <a:srgbClr val="000000"/>
+                      </a:solidFill>
+                      <a:prstDash val="solid"/>
+                      <a:round/>
+                      <a:headEnd type="none" w="med" len="med"/>
+                      <a:tailEnd type="none" w="med" len="med"/>
+                    </a:lnB>
+                  </a:tcPr>
+                </a:tc>
+                <a:tc>
+                  <a:txBody>
+                    <a:bodyPr/>
+                    <a:lstStyle/>
+                    <a:p>
+                      <a:pPr algn="ctr" fontAlgn="b"/>
+                      <a:r>
+                        <a:rPr lang="en-US" sz="1400" b="0" i="0" u="none" strike="noStrike" dirty="0">
+                          <a:solidFill>
+                            <a:srgbClr val="000000"/>
+                          </a:solidFill>
+                          <a:effectLst/>
+                          <a:latin typeface="Calibri" panose="020F0502020204030204" pitchFamily="34" charset="0"/>
                         </a:rPr>
                         <a:t>11.83%</a:t>
                       </a:r>
@@ -31723,7 +33092,7 @@
     </p:spTree>
     <p:extLst>
       <p:ext uri="{BB962C8B-B14F-4D97-AF65-F5344CB8AC3E}">
-        <p14:creationId xmlns:p14="http://schemas.microsoft.com/office/powerpoint/2010/main" val="3721017748"/>
+        <p14:creationId xmlns:p14="http://schemas.microsoft.com/office/powerpoint/2010/main" val="712342778"/>
       </p:ext>
     </p:extLst>
   </p:cSld>
